--- a/redux-overview.pptx
+++ b/redux-overview.pptx
@@ -8,6 +8,7 @@
     <p:sldId id="256" r:id="rId2"/>
     <p:sldId id="259" r:id="rId3"/>
     <p:sldId id="261" r:id="rId4"/>
+    <p:sldId id="262" r:id="rId5"/>
   </p:sldIdLst>
   <p:sldSz cx="12192000" cy="6858000"/>
   <p:notesSz cx="6858000" cy="9144000"/>
@@ -106,6 +107,11 @@
       </a:defRPr>
     </a:lvl9pPr>
   </p:defaultTextStyle>
+  <p:extLst>
+    <p:ext uri="{EFAFB233-063F-42B5-8137-9DF3F51BA10A}">
+      <p15:sldGuideLst xmlns:p15="http://schemas.microsoft.com/office/powerpoint/2012/main"/>
+    </p:ext>
+  </p:extLst>
 </p:presentation>
 </file>
 
@@ -4294,6 +4300,925 @@
 </file>
 
 <file path=ppt/diagrams/colors6.xml><?xml version="1.0" encoding="utf-8"?>
+<dgm:colorsDef xmlns:dgm="http://schemas.openxmlformats.org/drawingml/2006/diagram" xmlns:a="http://schemas.openxmlformats.org/drawingml/2006/main" uniqueId="urn:microsoft.com/office/officeart/2005/8/colors/colorful1">
+  <dgm:title val=""/>
+  <dgm:desc val=""/>
+  <dgm:catLst>
+    <dgm:cat type="colorful" pri="10100"/>
+  </dgm:catLst>
+  <dgm:styleLbl name="node0">
+    <dgm:fillClrLst meth="repeat">
+      <a:schemeClr val="accent1"/>
+    </dgm:fillClrLst>
+    <dgm:linClrLst meth="repeat">
+      <a:schemeClr val="lt1"/>
+    </dgm:linClrLst>
+    <dgm:effectClrLst/>
+    <dgm:txLinClrLst/>
+    <dgm:txFillClrLst/>
+    <dgm:txEffectClrLst/>
+  </dgm:styleLbl>
+  <dgm:styleLbl name="node1">
+    <dgm:fillClrLst meth="repeat">
+      <a:schemeClr val="accent2"/>
+      <a:schemeClr val="accent3"/>
+      <a:schemeClr val="accent4"/>
+      <a:schemeClr val="accent5"/>
+      <a:schemeClr val="accent6"/>
+    </dgm:fillClrLst>
+    <dgm:linClrLst meth="repeat">
+      <a:schemeClr val="lt1"/>
+    </dgm:linClrLst>
+    <dgm:effectClrLst/>
+    <dgm:txLinClrLst/>
+    <dgm:txFillClrLst/>
+    <dgm:txEffectClrLst/>
+  </dgm:styleLbl>
+  <dgm:styleLbl name="alignNode1">
+    <dgm:fillClrLst meth="repeat">
+      <a:schemeClr val="accent2"/>
+      <a:schemeClr val="accent3"/>
+      <a:schemeClr val="accent4"/>
+      <a:schemeClr val="accent5"/>
+      <a:schemeClr val="accent6"/>
+    </dgm:fillClrLst>
+    <dgm:linClrLst meth="repeat">
+      <a:schemeClr val="accent2"/>
+      <a:schemeClr val="accent3"/>
+      <a:schemeClr val="accent4"/>
+      <a:schemeClr val="accent5"/>
+      <a:schemeClr val="accent6"/>
+    </dgm:linClrLst>
+    <dgm:effectClrLst/>
+    <dgm:txLinClrLst/>
+    <dgm:txFillClrLst/>
+    <dgm:txEffectClrLst/>
+  </dgm:styleLbl>
+  <dgm:styleLbl name="lnNode1">
+    <dgm:fillClrLst meth="repeat">
+      <a:schemeClr val="accent2"/>
+      <a:schemeClr val="accent3"/>
+      <a:schemeClr val="accent4"/>
+      <a:schemeClr val="accent5"/>
+      <a:schemeClr val="accent6"/>
+    </dgm:fillClrLst>
+    <dgm:linClrLst meth="repeat">
+      <a:schemeClr val="lt1"/>
+    </dgm:linClrLst>
+    <dgm:effectClrLst/>
+    <dgm:txLinClrLst/>
+    <dgm:txFillClrLst/>
+    <dgm:txEffectClrLst/>
+  </dgm:styleLbl>
+  <dgm:styleLbl name="vennNode1">
+    <dgm:fillClrLst meth="repeat">
+      <a:schemeClr val="accent2">
+        <a:alpha val="50000"/>
+      </a:schemeClr>
+      <a:schemeClr val="accent3">
+        <a:alpha val="50000"/>
+      </a:schemeClr>
+      <a:schemeClr val="accent4">
+        <a:alpha val="50000"/>
+      </a:schemeClr>
+      <a:schemeClr val="accent5">
+        <a:alpha val="50000"/>
+      </a:schemeClr>
+      <a:schemeClr val="accent6">
+        <a:alpha val="50000"/>
+      </a:schemeClr>
+    </dgm:fillClrLst>
+    <dgm:linClrLst meth="repeat">
+      <a:schemeClr val="lt1"/>
+    </dgm:linClrLst>
+    <dgm:effectClrLst/>
+    <dgm:txLinClrLst/>
+    <dgm:txFillClrLst/>
+    <dgm:txEffectClrLst/>
+  </dgm:styleLbl>
+  <dgm:styleLbl name="node2">
+    <dgm:fillClrLst>
+      <a:schemeClr val="accent2"/>
+    </dgm:fillClrLst>
+    <dgm:linClrLst meth="repeat">
+      <a:schemeClr val="lt1"/>
+    </dgm:linClrLst>
+    <dgm:effectClrLst/>
+    <dgm:txLinClrLst/>
+    <dgm:txFillClrLst/>
+    <dgm:txEffectClrLst/>
+  </dgm:styleLbl>
+  <dgm:styleLbl name="node3">
+    <dgm:fillClrLst>
+      <a:schemeClr val="accent3"/>
+    </dgm:fillClrLst>
+    <dgm:linClrLst meth="repeat">
+      <a:schemeClr val="lt1"/>
+    </dgm:linClrLst>
+    <dgm:effectClrLst/>
+    <dgm:txLinClrLst/>
+    <dgm:txFillClrLst/>
+    <dgm:txEffectClrLst/>
+  </dgm:styleLbl>
+  <dgm:styleLbl name="node4">
+    <dgm:fillClrLst>
+      <a:schemeClr val="accent4"/>
+    </dgm:fillClrLst>
+    <dgm:linClrLst meth="repeat">
+      <a:schemeClr val="lt1"/>
+    </dgm:linClrLst>
+    <dgm:effectClrLst/>
+    <dgm:txLinClrLst/>
+    <dgm:txFillClrLst/>
+    <dgm:txEffectClrLst/>
+  </dgm:styleLbl>
+  <dgm:styleLbl name="fgImgPlace1">
+    <dgm:fillClrLst meth="repeat">
+      <a:schemeClr val="accent2">
+        <a:tint val="50000"/>
+      </a:schemeClr>
+      <a:schemeClr val="accent3">
+        <a:tint val="50000"/>
+      </a:schemeClr>
+      <a:schemeClr val="accent4">
+        <a:tint val="50000"/>
+      </a:schemeClr>
+      <a:schemeClr val="accent5">
+        <a:tint val="50000"/>
+      </a:schemeClr>
+      <a:schemeClr val="accent6">
+        <a:tint val="50000"/>
+      </a:schemeClr>
+    </dgm:fillClrLst>
+    <dgm:linClrLst meth="repeat">
+      <a:schemeClr val="lt1"/>
+    </dgm:linClrLst>
+    <dgm:effectClrLst/>
+    <dgm:txLinClrLst/>
+    <dgm:txFillClrLst meth="repeat">
+      <a:schemeClr val="lt1"/>
+    </dgm:txFillClrLst>
+    <dgm:txEffectClrLst/>
+  </dgm:styleLbl>
+  <dgm:styleLbl name="alignImgPlace1">
+    <dgm:fillClrLst>
+      <a:schemeClr val="accent1">
+        <a:tint val="50000"/>
+      </a:schemeClr>
+      <a:schemeClr val="accent2">
+        <a:tint val="20000"/>
+      </a:schemeClr>
+    </dgm:fillClrLst>
+    <dgm:linClrLst meth="repeat">
+      <a:schemeClr val="lt1"/>
+    </dgm:linClrLst>
+    <dgm:effectClrLst/>
+    <dgm:txLinClrLst/>
+    <dgm:txFillClrLst meth="repeat">
+      <a:schemeClr val="lt1"/>
+    </dgm:txFillClrLst>
+    <dgm:txEffectClrLst/>
+  </dgm:styleLbl>
+  <dgm:styleLbl name="bgImgPlace1">
+    <dgm:fillClrLst>
+      <a:schemeClr val="accent1">
+        <a:tint val="50000"/>
+      </a:schemeClr>
+      <a:schemeClr val="accent2">
+        <a:tint val="20000"/>
+      </a:schemeClr>
+    </dgm:fillClrLst>
+    <dgm:linClrLst meth="repeat">
+      <a:schemeClr val="lt1"/>
+    </dgm:linClrLst>
+    <dgm:effectClrLst/>
+    <dgm:txLinClrLst/>
+    <dgm:txFillClrLst meth="repeat">
+      <a:schemeClr val="lt1"/>
+    </dgm:txFillClrLst>
+    <dgm:txEffectClrLst/>
+  </dgm:styleLbl>
+  <dgm:styleLbl name="sibTrans2D1">
+    <dgm:fillClrLst meth="repeat">
+      <a:schemeClr val="accent2"/>
+      <a:schemeClr val="accent3"/>
+      <a:schemeClr val="accent4"/>
+      <a:schemeClr val="accent5"/>
+      <a:schemeClr val="accent6"/>
+    </dgm:fillClrLst>
+    <dgm:linClrLst meth="cycle">
+      <a:schemeClr val="lt1"/>
+    </dgm:linClrLst>
+    <dgm:effectClrLst/>
+    <dgm:txLinClrLst/>
+    <dgm:txFillClrLst/>
+    <dgm:txEffectClrLst/>
+  </dgm:styleLbl>
+  <dgm:styleLbl name="fgSibTrans2D1">
+    <dgm:fillClrLst meth="repeat">
+      <a:schemeClr val="accent2"/>
+      <a:schemeClr val="accent3"/>
+      <a:schemeClr val="accent4"/>
+      <a:schemeClr val="accent5"/>
+      <a:schemeClr val="accent6"/>
+    </dgm:fillClrLst>
+    <dgm:linClrLst meth="cycle">
+      <a:schemeClr val="lt1"/>
+    </dgm:linClrLst>
+    <dgm:effectClrLst/>
+    <dgm:txLinClrLst/>
+    <dgm:txFillClrLst meth="repeat">
+      <a:schemeClr val="lt1"/>
+    </dgm:txFillClrLst>
+    <dgm:txEffectClrLst/>
+  </dgm:styleLbl>
+  <dgm:styleLbl name="bgSibTrans2D1">
+    <dgm:fillClrLst meth="repeat">
+      <a:schemeClr val="accent2"/>
+      <a:schemeClr val="accent3"/>
+      <a:schemeClr val="accent4"/>
+      <a:schemeClr val="accent5"/>
+      <a:schemeClr val="accent6"/>
+    </dgm:fillClrLst>
+    <dgm:linClrLst meth="cycle">
+      <a:schemeClr val="lt1"/>
+    </dgm:linClrLst>
+    <dgm:effectClrLst/>
+    <dgm:txLinClrLst/>
+    <dgm:txFillClrLst meth="repeat">
+      <a:schemeClr val="lt1"/>
+    </dgm:txFillClrLst>
+    <dgm:txEffectClrLst/>
+  </dgm:styleLbl>
+  <dgm:styleLbl name="sibTrans1D1">
+    <dgm:fillClrLst meth="repeat">
+      <a:schemeClr val="accent2"/>
+      <a:schemeClr val="accent3"/>
+      <a:schemeClr val="accent4"/>
+      <a:schemeClr val="accent5"/>
+      <a:schemeClr val="accent6"/>
+    </dgm:fillClrLst>
+    <dgm:linClrLst meth="repeat">
+      <a:schemeClr val="accent2"/>
+      <a:schemeClr val="accent3"/>
+      <a:schemeClr val="accent4"/>
+      <a:schemeClr val="accent5"/>
+      <a:schemeClr val="accent6"/>
+    </dgm:linClrLst>
+    <dgm:effectClrLst/>
+    <dgm:txLinClrLst/>
+    <dgm:txFillClrLst meth="repeat">
+      <a:schemeClr val="tx1"/>
+    </dgm:txFillClrLst>
+    <dgm:txEffectClrLst/>
+  </dgm:styleLbl>
+  <dgm:styleLbl name="callout">
+    <dgm:fillClrLst meth="repeat">
+      <a:schemeClr val="accent2"/>
+    </dgm:fillClrLst>
+    <dgm:linClrLst meth="repeat">
+      <a:schemeClr val="accent2">
+        <a:tint val="50000"/>
+      </a:schemeClr>
+    </dgm:linClrLst>
+    <dgm:effectClrLst/>
+    <dgm:txLinClrLst/>
+    <dgm:txFillClrLst meth="repeat">
+      <a:schemeClr val="tx1"/>
+    </dgm:txFillClrLst>
+    <dgm:txEffectClrLst/>
+  </dgm:styleLbl>
+  <dgm:styleLbl name="asst0">
+    <dgm:fillClrLst meth="repeat">
+      <a:schemeClr val="accent1"/>
+    </dgm:fillClrLst>
+    <dgm:linClrLst meth="repeat">
+      <a:schemeClr val="lt1"/>
+    </dgm:linClrLst>
+    <dgm:effectClrLst/>
+    <dgm:txLinClrLst/>
+    <dgm:txFillClrLst/>
+    <dgm:txEffectClrLst/>
+  </dgm:styleLbl>
+  <dgm:styleLbl name="asst1">
+    <dgm:fillClrLst meth="repeat">
+      <a:schemeClr val="accent2"/>
+    </dgm:fillClrLst>
+    <dgm:linClrLst meth="repeat">
+      <a:schemeClr val="lt1"/>
+    </dgm:linClrLst>
+    <dgm:effectClrLst/>
+    <dgm:txLinClrLst/>
+    <dgm:txFillClrLst/>
+    <dgm:txEffectClrLst/>
+  </dgm:styleLbl>
+  <dgm:styleLbl name="asst2">
+    <dgm:fillClrLst>
+      <a:schemeClr val="accent3"/>
+    </dgm:fillClrLst>
+    <dgm:linClrLst meth="repeat">
+      <a:schemeClr val="lt1"/>
+    </dgm:linClrLst>
+    <dgm:effectClrLst/>
+    <dgm:txLinClrLst/>
+    <dgm:txFillClrLst/>
+    <dgm:txEffectClrLst/>
+  </dgm:styleLbl>
+  <dgm:styleLbl name="asst3">
+    <dgm:fillClrLst>
+      <a:schemeClr val="accent4"/>
+    </dgm:fillClrLst>
+    <dgm:linClrLst meth="repeat">
+      <a:schemeClr val="lt1"/>
+    </dgm:linClrLst>
+    <dgm:effectClrLst/>
+    <dgm:txLinClrLst/>
+    <dgm:txFillClrLst/>
+    <dgm:txEffectClrLst/>
+  </dgm:styleLbl>
+  <dgm:styleLbl name="asst4">
+    <dgm:fillClrLst>
+      <a:schemeClr val="accent5"/>
+    </dgm:fillClrLst>
+    <dgm:linClrLst meth="repeat">
+      <a:schemeClr val="lt1"/>
+    </dgm:linClrLst>
+    <dgm:effectClrLst/>
+    <dgm:txLinClrLst/>
+    <dgm:txFillClrLst/>
+    <dgm:txEffectClrLst/>
+  </dgm:styleLbl>
+  <dgm:styleLbl name="parChTrans2D1">
+    <dgm:fillClrLst meth="repeat">
+      <a:schemeClr val="accent2"/>
+    </dgm:fillClrLst>
+    <dgm:linClrLst meth="repeat">
+      <a:schemeClr val="lt1"/>
+    </dgm:linClrLst>
+    <dgm:effectClrLst/>
+    <dgm:txLinClrLst/>
+    <dgm:txFillClrLst meth="repeat">
+      <a:schemeClr val="lt1"/>
+    </dgm:txFillClrLst>
+    <dgm:txEffectClrLst/>
+  </dgm:styleLbl>
+  <dgm:styleLbl name="parChTrans2D2">
+    <dgm:fillClrLst meth="repeat">
+      <a:schemeClr val="accent3"/>
+    </dgm:fillClrLst>
+    <dgm:linClrLst meth="repeat">
+      <a:schemeClr val="lt1"/>
+    </dgm:linClrLst>
+    <dgm:effectClrLst/>
+    <dgm:txLinClrLst/>
+    <dgm:txFillClrLst/>
+    <dgm:txEffectClrLst/>
+  </dgm:styleLbl>
+  <dgm:styleLbl name="parChTrans2D3">
+    <dgm:fillClrLst meth="repeat">
+      <a:schemeClr val="accent4"/>
+    </dgm:fillClrLst>
+    <dgm:linClrLst meth="repeat">
+      <a:schemeClr val="lt1"/>
+    </dgm:linClrLst>
+    <dgm:effectClrLst/>
+    <dgm:txLinClrLst/>
+    <dgm:txFillClrLst/>
+    <dgm:txEffectClrLst/>
+  </dgm:styleLbl>
+  <dgm:styleLbl name="parChTrans2D4">
+    <dgm:fillClrLst meth="repeat">
+      <a:schemeClr val="accent5"/>
+    </dgm:fillClrLst>
+    <dgm:linClrLst meth="repeat">
+      <a:schemeClr val="lt1"/>
+    </dgm:linClrLst>
+    <dgm:effectClrLst/>
+    <dgm:txLinClrLst/>
+    <dgm:txFillClrLst meth="repeat">
+      <a:schemeClr val="lt1"/>
+    </dgm:txFillClrLst>
+    <dgm:txEffectClrLst/>
+  </dgm:styleLbl>
+  <dgm:styleLbl name="parChTrans1D1">
+    <dgm:fillClrLst meth="repeat">
+      <a:schemeClr val="accent2"/>
+    </dgm:fillClrLst>
+    <dgm:linClrLst meth="repeat">
+      <a:schemeClr val="accent1"/>
+    </dgm:linClrLst>
+    <dgm:effectClrLst/>
+    <dgm:txLinClrLst/>
+    <dgm:txFillClrLst meth="repeat">
+      <a:schemeClr val="tx1"/>
+    </dgm:txFillClrLst>
+    <dgm:txEffectClrLst/>
+  </dgm:styleLbl>
+  <dgm:styleLbl name="parChTrans1D2">
+    <dgm:fillClrLst meth="repeat">
+      <a:schemeClr val="accent3">
+        <a:tint val="90000"/>
+      </a:schemeClr>
+    </dgm:fillClrLst>
+    <dgm:linClrLst meth="repeat">
+      <a:schemeClr val="accent2"/>
+    </dgm:linClrLst>
+    <dgm:effectClrLst/>
+    <dgm:txLinClrLst/>
+    <dgm:txFillClrLst meth="repeat">
+      <a:schemeClr val="tx1"/>
+    </dgm:txFillClrLst>
+    <dgm:txEffectClrLst/>
+  </dgm:styleLbl>
+  <dgm:styleLbl name="parChTrans1D3">
+    <dgm:fillClrLst meth="repeat">
+      <a:schemeClr val="accent4">
+        <a:tint val="70000"/>
+      </a:schemeClr>
+    </dgm:fillClrLst>
+    <dgm:linClrLst meth="repeat">
+      <a:schemeClr val="accent3"/>
+    </dgm:linClrLst>
+    <dgm:effectClrLst/>
+    <dgm:txLinClrLst/>
+    <dgm:txFillClrLst meth="repeat">
+      <a:schemeClr val="tx1"/>
+    </dgm:txFillClrLst>
+    <dgm:txEffectClrLst/>
+  </dgm:styleLbl>
+  <dgm:styleLbl name="parChTrans1D4">
+    <dgm:fillClrLst meth="repeat">
+      <a:schemeClr val="accent5">
+        <a:tint val="50000"/>
+      </a:schemeClr>
+    </dgm:fillClrLst>
+    <dgm:linClrLst meth="repeat">
+      <a:schemeClr val="accent4"/>
+    </dgm:linClrLst>
+    <dgm:effectClrLst/>
+    <dgm:txLinClrLst/>
+    <dgm:txFillClrLst meth="repeat">
+      <a:schemeClr val="tx1"/>
+    </dgm:txFillClrLst>
+    <dgm:txEffectClrLst/>
+  </dgm:styleLbl>
+  <dgm:styleLbl name="fgAcc1">
+    <dgm:fillClrLst meth="repeat">
+      <a:schemeClr val="lt1">
+        <a:alpha val="90000"/>
+      </a:schemeClr>
+    </dgm:fillClrLst>
+    <dgm:linClrLst meth="repeat">
+      <a:schemeClr val="accent2"/>
+      <a:schemeClr val="accent3"/>
+      <a:schemeClr val="accent4"/>
+      <a:schemeClr val="accent5"/>
+      <a:schemeClr val="accent6"/>
+    </dgm:linClrLst>
+    <dgm:effectClrLst/>
+    <dgm:txLinClrLst/>
+    <dgm:txFillClrLst meth="repeat">
+      <a:schemeClr val="dk1"/>
+    </dgm:txFillClrLst>
+    <dgm:txEffectClrLst/>
+  </dgm:styleLbl>
+  <dgm:styleLbl name="conFgAcc1">
+    <dgm:fillClrLst meth="repeat">
+      <a:schemeClr val="lt1">
+        <a:alpha val="90000"/>
+      </a:schemeClr>
+    </dgm:fillClrLst>
+    <dgm:linClrLst meth="repeat">
+      <a:schemeClr val="accent2"/>
+      <a:schemeClr val="accent3"/>
+      <a:schemeClr val="accent4"/>
+      <a:schemeClr val="accent5"/>
+      <a:schemeClr val="accent6"/>
+    </dgm:linClrLst>
+    <dgm:effectClrLst/>
+    <dgm:txLinClrLst/>
+    <dgm:txFillClrLst meth="repeat">
+      <a:schemeClr val="dk1"/>
+    </dgm:txFillClrLst>
+    <dgm:txEffectClrLst/>
+  </dgm:styleLbl>
+  <dgm:styleLbl name="alignAcc1">
+    <dgm:fillClrLst meth="repeat">
+      <a:schemeClr val="lt1">
+        <a:alpha val="90000"/>
+      </a:schemeClr>
+    </dgm:fillClrLst>
+    <dgm:linClrLst meth="repeat">
+      <a:schemeClr val="accent2"/>
+      <a:schemeClr val="accent3"/>
+      <a:schemeClr val="accent4"/>
+      <a:schemeClr val="accent5"/>
+      <a:schemeClr val="accent6"/>
+    </dgm:linClrLst>
+    <dgm:effectClrLst/>
+    <dgm:txLinClrLst/>
+    <dgm:txFillClrLst meth="repeat">
+      <a:schemeClr val="dk1"/>
+    </dgm:txFillClrLst>
+    <dgm:txEffectClrLst/>
+  </dgm:styleLbl>
+  <dgm:styleLbl name="trAlignAcc1">
+    <dgm:fillClrLst meth="repeat">
+      <a:schemeClr val="lt1">
+        <a:alpha val="40000"/>
+      </a:schemeClr>
+    </dgm:fillClrLst>
+    <dgm:linClrLst meth="repeat">
+      <a:schemeClr val="accent1"/>
+    </dgm:linClrLst>
+    <dgm:effectClrLst/>
+    <dgm:txLinClrLst/>
+    <dgm:txFillClrLst meth="repeat">
+      <a:schemeClr val="dk1"/>
+    </dgm:txFillClrLst>
+    <dgm:txEffectClrLst/>
+  </dgm:styleLbl>
+  <dgm:styleLbl name="bgAcc1">
+    <dgm:fillClrLst meth="repeat">
+      <a:schemeClr val="lt1">
+        <a:alpha val="90000"/>
+      </a:schemeClr>
+    </dgm:fillClrLst>
+    <dgm:linClrLst meth="repeat">
+      <a:schemeClr val="accent2"/>
+      <a:schemeClr val="accent3"/>
+      <a:schemeClr val="accent4"/>
+      <a:schemeClr val="accent5"/>
+      <a:schemeClr val="accent6"/>
+    </dgm:linClrLst>
+    <dgm:effectClrLst/>
+    <dgm:txLinClrLst/>
+    <dgm:txFillClrLst meth="repeat">
+      <a:schemeClr val="dk1"/>
+    </dgm:txFillClrLst>
+    <dgm:txEffectClrLst/>
+  </dgm:styleLbl>
+  <dgm:styleLbl name="solidFgAcc1">
+    <dgm:fillClrLst meth="repeat">
+      <a:schemeClr val="lt1"/>
+    </dgm:fillClrLst>
+    <dgm:linClrLst meth="repeat">
+      <a:schemeClr val="accent2"/>
+      <a:schemeClr val="accent3"/>
+      <a:schemeClr val="accent4"/>
+      <a:schemeClr val="accent5"/>
+      <a:schemeClr val="accent6"/>
+    </dgm:linClrLst>
+    <dgm:effectClrLst/>
+    <dgm:txLinClrLst/>
+    <dgm:txFillClrLst meth="repeat">
+      <a:schemeClr val="dk1"/>
+    </dgm:txFillClrLst>
+    <dgm:txEffectClrLst/>
+  </dgm:styleLbl>
+  <dgm:styleLbl name="solidAlignAcc1">
+    <dgm:fillClrLst meth="repeat">
+      <a:schemeClr val="lt1"/>
+    </dgm:fillClrLst>
+    <dgm:linClrLst meth="repeat">
+      <a:schemeClr val="accent2"/>
+      <a:schemeClr val="accent3"/>
+      <a:schemeClr val="accent4"/>
+      <a:schemeClr val="accent5"/>
+      <a:schemeClr val="accent6"/>
+    </dgm:linClrLst>
+    <dgm:effectClrLst/>
+    <dgm:txLinClrLst/>
+    <dgm:txFillClrLst meth="repeat">
+      <a:schemeClr val="dk1"/>
+    </dgm:txFillClrLst>
+    <dgm:txEffectClrLst/>
+  </dgm:styleLbl>
+  <dgm:styleLbl name="solidBgAcc1">
+    <dgm:fillClrLst meth="repeat">
+      <a:schemeClr val="lt1"/>
+    </dgm:fillClrLst>
+    <dgm:linClrLst meth="repeat">
+      <a:schemeClr val="accent2"/>
+      <a:schemeClr val="accent3"/>
+      <a:schemeClr val="accent4"/>
+      <a:schemeClr val="accent5"/>
+      <a:schemeClr val="accent6"/>
+    </dgm:linClrLst>
+    <dgm:effectClrLst/>
+    <dgm:txLinClrLst/>
+    <dgm:txFillClrLst meth="repeat">
+      <a:schemeClr val="dk1"/>
+    </dgm:txFillClrLst>
+    <dgm:txEffectClrLst/>
+  </dgm:styleLbl>
+  <dgm:styleLbl name="fgAccFollowNode1">
+    <dgm:fillClrLst meth="repeat">
+      <a:schemeClr val="accent2">
+        <a:tint val="40000"/>
+        <a:alpha val="90000"/>
+      </a:schemeClr>
+      <a:schemeClr val="accent3">
+        <a:tint val="40000"/>
+        <a:alpha val="90000"/>
+      </a:schemeClr>
+      <a:schemeClr val="accent4">
+        <a:tint val="40000"/>
+        <a:alpha val="90000"/>
+      </a:schemeClr>
+      <a:schemeClr val="accent5">
+        <a:tint val="40000"/>
+        <a:alpha val="90000"/>
+      </a:schemeClr>
+      <a:schemeClr val="accent6">
+        <a:tint val="40000"/>
+        <a:alpha val="90000"/>
+      </a:schemeClr>
+    </dgm:fillClrLst>
+    <dgm:linClrLst meth="repeat">
+      <a:schemeClr val="accent2">
+        <a:tint val="40000"/>
+        <a:alpha val="90000"/>
+      </a:schemeClr>
+      <a:schemeClr val="accent3">
+        <a:tint val="40000"/>
+        <a:alpha val="90000"/>
+      </a:schemeClr>
+      <a:schemeClr val="accent4">
+        <a:tint val="40000"/>
+        <a:alpha val="90000"/>
+      </a:schemeClr>
+      <a:schemeClr val="accent5">
+        <a:tint val="40000"/>
+        <a:alpha val="90000"/>
+      </a:schemeClr>
+      <a:schemeClr val="accent6">
+        <a:tint val="40000"/>
+        <a:alpha val="90000"/>
+      </a:schemeClr>
+    </dgm:linClrLst>
+    <dgm:effectClrLst/>
+    <dgm:txLinClrLst/>
+    <dgm:txFillClrLst meth="repeat">
+      <a:schemeClr val="dk1"/>
+    </dgm:txFillClrLst>
+    <dgm:txEffectClrLst/>
+  </dgm:styleLbl>
+  <dgm:styleLbl name="alignAccFollowNode1">
+    <dgm:fillClrLst meth="repeat">
+      <a:schemeClr val="accent2">
+        <a:tint val="40000"/>
+        <a:alpha val="90000"/>
+      </a:schemeClr>
+      <a:schemeClr val="accent3">
+        <a:tint val="40000"/>
+        <a:alpha val="90000"/>
+      </a:schemeClr>
+      <a:schemeClr val="accent4">
+        <a:tint val="40000"/>
+        <a:alpha val="90000"/>
+      </a:schemeClr>
+      <a:schemeClr val="accent5">
+        <a:tint val="40000"/>
+        <a:alpha val="90000"/>
+      </a:schemeClr>
+      <a:schemeClr val="accent6">
+        <a:tint val="40000"/>
+        <a:alpha val="90000"/>
+      </a:schemeClr>
+    </dgm:fillClrLst>
+    <dgm:linClrLst meth="repeat">
+      <a:schemeClr val="accent2">
+        <a:tint val="40000"/>
+        <a:alpha val="90000"/>
+      </a:schemeClr>
+      <a:schemeClr val="accent3">
+        <a:tint val="40000"/>
+        <a:alpha val="90000"/>
+      </a:schemeClr>
+      <a:schemeClr val="accent4">
+        <a:tint val="40000"/>
+        <a:alpha val="90000"/>
+      </a:schemeClr>
+      <a:schemeClr val="accent5">
+        <a:tint val="40000"/>
+        <a:alpha val="90000"/>
+      </a:schemeClr>
+      <a:schemeClr val="accent6">
+        <a:tint val="40000"/>
+        <a:alpha val="90000"/>
+      </a:schemeClr>
+    </dgm:linClrLst>
+    <dgm:effectClrLst/>
+    <dgm:txLinClrLst/>
+    <dgm:txFillClrLst meth="repeat">
+      <a:schemeClr val="dk1"/>
+    </dgm:txFillClrLst>
+    <dgm:txEffectClrLst/>
+  </dgm:styleLbl>
+  <dgm:styleLbl name="bgAccFollowNode1">
+    <dgm:fillClrLst meth="repeat">
+      <a:schemeClr val="accent2">
+        <a:tint val="40000"/>
+        <a:alpha val="90000"/>
+      </a:schemeClr>
+      <a:schemeClr val="accent3">
+        <a:tint val="40000"/>
+        <a:alpha val="90000"/>
+      </a:schemeClr>
+      <a:schemeClr val="accent4">
+        <a:tint val="40000"/>
+        <a:alpha val="90000"/>
+      </a:schemeClr>
+      <a:schemeClr val="accent5">
+        <a:tint val="40000"/>
+        <a:alpha val="90000"/>
+      </a:schemeClr>
+      <a:schemeClr val="accent6">
+        <a:tint val="40000"/>
+        <a:alpha val="90000"/>
+      </a:schemeClr>
+    </dgm:fillClrLst>
+    <dgm:linClrLst meth="repeat">
+      <a:schemeClr val="accent2">
+        <a:tint val="40000"/>
+        <a:alpha val="90000"/>
+      </a:schemeClr>
+      <a:schemeClr val="accent3">
+        <a:tint val="40000"/>
+        <a:alpha val="90000"/>
+      </a:schemeClr>
+      <a:schemeClr val="accent4">
+        <a:tint val="40000"/>
+        <a:alpha val="90000"/>
+      </a:schemeClr>
+      <a:schemeClr val="accent5">
+        <a:tint val="40000"/>
+        <a:alpha val="90000"/>
+      </a:schemeClr>
+      <a:schemeClr val="accent6">
+        <a:tint val="40000"/>
+        <a:alpha val="90000"/>
+      </a:schemeClr>
+    </dgm:linClrLst>
+    <dgm:effectClrLst/>
+    <dgm:txLinClrLst/>
+    <dgm:txFillClrLst meth="repeat">
+      <a:schemeClr val="dk1"/>
+    </dgm:txFillClrLst>
+    <dgm:txEffectClrLst/>
+  </dgm:styleLbl>
+  <dgm:styleLbl name="fgAcc0">
+    <dgm:fillClrLst meth="repeat">
+      <a:schemeClr val="lt1">
+        <a:alpha val="90000"/>
+      </a:schemeClr>
+    </dgm:fillClrLst>
+    <dgm:linClrLst>
+      <a:schemeClr val="accent1"/>
+    </dgm:linClrLst>
+    <dgm:effectClrLst/>
+    <dgm:txLinClrLst/>
+    <dgm:txFillClrLst meth="repeat">
+      <a:schemeClr val="dk1"/>
+    </dgm:txFillClrLst>
+    <dgm:txEffectClrLst/>
+  </dgm:styleLbl>
+  <dgm:styleLbl name="fgAcc2">
+    <dgm:fillClrLst meth="repeat">
+      <a:schemeClr val="lt1">
+        <a:alpha val="90000"/>
+      </a:schemeClr>
+    </dgm:fillClrLst>
+    <dgm:linClrLst>
+      <a:schemeClr val="accent2"/>
+    </dgm:linClrLst>
+    <dgm:effectClrLst/>
+    <dgm:txLinClrLst/>
+    <dgm:txFillClrLst meth="repeat">
+      <a:schemeClr val="dk1"/>
+    </dgm:txFillClrLst>
+    <dgm:txEffectClrLst/>
+  </dgm:styleLbl>
+  <dgm:styleLbl name="fgAcc3">
+    <dgm:fillClrLst meth="repeat">
+      <a:schemeClr val="lt1">
+        <a:alpha val="90000"/>
+      </a:schemeClr>
+    </dgm:fillClrLst>
+    <dgm:linClrLst>
+      <a:schemeClr val="accent3"/>
+    </dgm:linClrLst>
+    <dgm:effectClrLst/>
+    <dgm:txLinClrLst/>
+    <dgm:txFillClrLst meth="repeat">
+      <a:schemeClr val="dk1"/>
+    </dgm:txFillClrLst>
+    <dgm:txEffectClrLst/>
+  </dgm:styleLbl>
+  <dgm:styleLbl name="fgAcc4">
+    <dgm:fillClrLst meth="repeat">
+      <a:schemeClr val="lt1">
+        <a:alpha val="90000"/>
+      </a:schemeClr>
+    </dgm:fillClrLst>
+    <dgm:linClrLst>
+      <a:schemeClr val="accent4"/>
+    </dgm:linClrLst>
+    <dgm:effectClrLst/>
+    <dgm:txLinClrLst/>
+    <dgm:txFillClrLst meth="repeat">
+      <a:schemeClr val="dk1"/>
+    </dgm:txFillClrLst>
+    <dgm:txEffectClrLst/>
+  </dgm:styleLbl>
+  <dgm:styleLbl name="bgShp">
+    <dgm:fillClrLst meth="repeat">
+      <a:schemeClr val="accent2">
+        <a:tint val="40000"/>
+      </a:schemeClr>
+    </dgm:fillClrLst>
+    <dgm:linClrLst meth="repeat">
+      <a:schemeClr val="dk1"/>
+    </dgm:linClrLst>
+    <dgm:effectClrLst/>
+    <dgm:txLinClrLst/>
+    <dgm:txFillClrLst meth="repeat">
+      <a:schemeClr val="dk1"/>
+    </dgm:txFillClrLst>
+    <dgm:txEffectClrLst/>
+  </dgm:styleLbl>
+  <dgm:styleLbl name="dkBgShp">
+    <dgm:fillClrLst meth="repeat">
+      <a:schemeClr val="accent2">
+        <a:shade val="90000"/>
+      </a:schemeClr>
+    </dgm:fillClrLst>
+    <dgm:linClrLst meth="repeat">
+      <a:schemeClr val="dk1"/>
+    </dgm:linClrLst>
+    <dgm:effectClrLst/>
+    <dgm:txLinClrLst/>
+    <dgm:txFillClrLst meth="repeat">
+      <a:schemeClr val="lt1"/>
+    </dgm:txFillClrLst>
+    <dgm:txEffectClrLst/>
+  </dgm:styleLbl>
+  <dgm:styleLbl name="trBgShp">
+    <dgm:fillClrLst meth="repeat">
+      <a:schemeClr val="accent1">
+        <a:tint val="50000"/>
+        <a:alpha val="40000"/>
+      </a:schemeClr>
+    </dgm:fillClrLst>
+    <dgm:linClrLst meth="repeat">
+      <a:schemeClr val="accent2"/>
+    </dgm:linClrLst>
+    <dgm:effectClrLst/>
+    <dgm:txLinClrLst/>
+    <dgm:txFillClrLst meth="repeat">
+      <a:schemeClr val="lt1"/>
+    </dgm:txFillClrLst>
+    <dgm:txEffectClrLst/>
+  </dgm:styleLbl>
+  <dgm:styleLbl name="fgShp">
+    <dgm:fillClrLst meth="repeat">
+      <a:schemeClr val="accent2">
+        <a:tint val="40000"/>
+      </a:schemeClr>
+    </dgm:fillClrLst>
+    <dgm:linClrLst meth="repeat">
+      <a:schemeClr val="lt1"/>
+    </dgm:linClrLst>
+    <dgm:effectClrLst/>
+    <dgm:txLinClrLst/>
+    <dgm:txFillClrLst meth="repeat">
+      <a:schemeClr val="dk1"/>
+    </dgm:txFillClrLst>
+    <dgm:txEffectClrLst/>
+  </dgm:styleLbl>
+  <dgm:styleLbl name="revTx">
+    <dgm:fillClrLst meth="repeat">
+      <a:schemeClr val="lt1">
+        <a:alpha val="0"/>
+      </a:schemeClr>
+    </dgm:fillClrLst>
+    <dgm:linClrLst meth="repeat">
+      <a:schemeClr val="dk1">
+        <a:alpha val="0"/>
+      </a:schemeClr>
+    </dgm:linClrLst>
+    <dgm:effectClrLst/>
+    <dgm:txLinClrLst/>
+    <dgm:txFillClrLst meth="repeat">
+      <a:schemeClr val="tx1"/>
+    </dgm:txFillClrLst>
+    <dgm:txEffectClrLst/>
+  </dgm:styleLbl>
+</dgm:colorsDef>
+</file>
+
+<file path=ppt/diagrams/colors7.xml><?xml version="1.0" encoding="utf-8"?>
 <dgm:colorsDef xmlns:dgm="http://schemas.openxmlformats.org/drawingml/2006/diagram" xmlns:a="http://schemas.openxmlformats.org/drawingml/2006/main" uniqueId="urn:microsoft.com/office/officeart/2005/8/colors/colorful1">
   <dgm:title val=""/>
   <dgm:desc val=""/>
@@ -8429,6 +9354,668 @@
 </dgm:dataModel>
 </file>
 
+<file path=ppt/diagrams/data7.xml><?xml version="1.0" encoding="utf-8"?>
+<dgm:dataModel xmlns:dgm="http://schemas.openxmlformats.org/drawingml/2006/diagram" xmlns:a="http://schemas.openxmlformats.org/drawingml/2006/main">
+  <dgm:ptLst>
+    <dgm:pt modelId="{DDF870DF-B6C7-4A37-8F28-60E6A8E19B89}" type="doc">
+      <dgm:prSet loTypeId="urn:microsoft.com/office/officeart/2005/8/layout/cycle3" loCatId="cycle" qsTypeId="urn:microsoft.com/office/officeart/2005/8/quickstyle/simple1" qsCatId="simple" csTypeId="urn:microsoft.com/office/officeart/2005/8/colors/colorful1" csCatId="colorful" phldr="1"/>
+      <dgm:spPr/>
+      <dgm:t>
+        <a:bodyPr/>
+        <a:lstStyle/>
+        <a:p>
+          <a:endParaRPr lang="en-GB"/>
+        </a:p>
+      </dgm:t>
+    </dgm:pt>
+    <dgm:pt modelId="{34CA73C6-4A85-4C81-A1D7-836CD5A20EB8}">
+      <dgm:prSet phldrT="[Text]"/>
+      <dgm:spPr/>
+      <dgm:t>
+        <a:bodyPr/>
+        <a:lstStyle/>
+        <a:p>
+          <a:r>
+            <a:rPr lang="en-GB" dirty="0"/>
+            <a:t>UI (react)</a:t>
+          </a:r>
+        </a:p>
+      </dgm:t>
+    </dgm:pt>
+    <dgm:pt modelId="{FC4BE9C7-1763-426D-AC2B-15B677FF2420}" type="parTrans" cxnId="{7397B2AF-5580-4326-B373-3F219ECDFABC}">
+      <dgm:prSet/>
+      <dgm:spPr/>
+      <dgm:t>
+        <a:bodyPr/>
+        <a:lstStyle/>
+        <a:p>
+          <a:endParaRPr lang="en-GB"/>
+        </a:p>
+      </dgm:t>
+    </dgm:pt>
+    <dgm:pt modelId="{F8BB64C7-129E-4A81-B0B5-17B9B2343760}" type="sibTrans" cxnId="{7397B2AF-5580-4326-B373-3F219ECDFABC}">
+      <dgm:prSet/>
+      <dgm:spPr/>
+      <dgm:t>
+        <a:bodyPr/>
+        <a:lstStyle/>
+        <a:p>
+          <a:endParaRPr lang="en-GB"/>
+        </a:p>
+      </dgm:t>
+    </dgm:pt>
+    <dgm:pt modelId="{03B15FBC-478C-4F54-9C55-1B4F033AE953}">
+      <dgm:prSet phldrT="[Text]"/>
+      <dgm:spPr/>
+      <dgm:t>
+        <a:bodyPr/>
+        <a:lstStyle/>
+        <a:p>
+          <a:r>
+            <a:rPr lang="en-GB" dirty="0"/>
+            <a:t>Duck: </a:t>
+          </a:r>
+          <a:r>
+            <a:rPr lang="en-GB" dirty="0" err="1"/>
+            <a:t>ActionCreator</a:t>
+          </a:r>
+          <a:endParaRPr lang="en-GB" dirty="0"/>
+        </a:p>
+      </dgm:t>
+    </dgm:pt>
+    <dgm:pt modelId="{4BED20F2-B605-47D9-9B84-F0B5E965CFA8}" type="parTrans" cxnId="{E11637EB-1E14-4354-969E-8DF2AEA06FE3}">
+      <dgm:prSet/>
+      <dgm:spPr/>
+      <dgm:t>
+        <a:bodyPr/>
+        <a:lstStyle/>
+        <a:p>
+          <a:endParaRPr lang="en-GB"/>
+        </a:p>
+      </dgm:t>
+    </dgm:pt>
+    <dgm:pt modelId="{EAD77D8A-A89A-4167-A1BA-6B1175F29227}" type="sibTrans" cxnId="{E11637EB-1E14-4354-969E-8DF2AEA06FE3}">
+      <dgm:prSet/>
+      <dgm:spPr/>
+      <dgm:t>
+        <a:bodyPr/>
+        <a:lstStyle/>
+        <a:p>
+          <a:endParaRPr lang="en-GB"/>
+        </a:p>
+      </dgm:t>
+    </dgm:pt>
+    <dgm:pt modelId="{AD8D33EE-6731-4638-8A24-53D1337292E5}">
+      <dgm:prSet phldrT="[Text]"/>
+      <dgm:spPr/>
+      <dgm:t>
+        <a:bodyPr/>
+        <a:lstStyle/>
+        <a:p>
+          <a:r>
+            <a:rPr lang="en-GB" dirty="0"/>
+            <a:t>Redux: Dispatch</a:t>
+          </a:r>
+        </a:p>
+      </dgm:t>
+    </dgm:pt>
+    <dgm:pt modelId="{87F170BE-227B-4AF6-97D5-2052F9197A20}" type="parTrans" cxnId="{854E11F8-3271-4681-BA7A-ED628294AD61}">
+      <dgm:prSet/>
+      <dgm:spPr/>
+      <dgm:t>
+        <a:bodyPr/>
+        <a:lstStyle/>
+        <a:p>
+          <a:endParaRPr lang="en-GB"/>
+        </a:p>
+      </dgm:t>
+    </dgm:pt>
+    <dgm:pt modelId="{1B3027C3-25ED-4726-9673-E89E92A3971A}" type="sibTrans" cxnId="{854E11F8-3271-4681-BA7A-ED628294AD61}">
+      <dgm:prSet/>
+      <dgm:spPr/>
+      <dgm:t>
+        <a:bodyPr/>
+        <a:lstStyle/>
+        <a:p>
+          <a:endParaRPr lang="en-GB"/>
+        </a:p>
+      </dgm:t>
+    </dgm:pt>
+    <dgm:pt modelId="{987DE4B7-A2DF-4172-9BF4-16B8D3E27CEB}">
+      <dgm:prSet phldrT="[Text]"/>
+      <dgm:spPr/>
+      <dgm:t>
+        <a:bodyPr/>
+        <a:lstStyle/>
+        <a:p>
+          <a:r>
+            <a:rPr lang="en-GB" dirty="0"/>
+            <a:t>Duck: Reducer</a:t>
+          </a:r>
+        </a:p>
+      </dgm:t>
+    </dgm:pt>
+    <dgm:pt modelId="{449CBB67-37A3-406F-88A9-4BC572A5F3EB}" type="parTrans" cxnId="{2506ACB1-8DB3-4059-8F6B-DE2C1764B4C7}">
+      <dgm:prSet/>
+      <dgm:spPr/>
+      <dgm:t>
+        <a:bodyPr/>
+        <a:lstStyle/>
+        <a:p>
+          <a:endParaRPr lang="en-GB"/>
+        </a:p>
+      </dgm:t>
+    </dgm:pt>
+    <dgm:pt modelId="{7E575960-89BA-4161-9092-185C51D53EAD}" type="sibTrans" cxnId="{2506ACB1-8DB3-4059-8F6B-DE2C1764B4C7}">
+      <dgm:prSet/>
+      <dgm:spPr/>
+      <dgm:t>
+        <a:bodyPr/>
+        <a:lstStyle/>
+        <a:p>
+          <a:endParaRPr lang="en-GB"/>
+        </a:p>
+      </dgm:t>
+    </dgm:pt>
+    <dgm:pt modelId="{7080453F-1A3E-4B05-86BF-C5F7A931184B}">
+      <dgm:prSet phldrT="[Text]"/>
+      <dgm:spPr/>
+      <dgm:t>
+        <a:bodyPr/>
+        <a:lstStyle/>
+        <a:p>
+          <a:r>
+            <a:rPr lang="en-GB" dirty="0"/>
+            <a:t>Redux new state</a:t>
+          </a:r>
+        </a:p>
+      </dgm:t>
+    </dgm:pt>
+    <dgm:pt modelId="{EFC63FF9-4759-4518-A929-4DB4E6A1A863}" type="parTrans" cxnId="{5974D594-D8F6-432C-B7F8-CC0B3601FAC3}">
+      <dgm:prSet/>
+      <dgm:spPr/>
+      <dgm:t>
+        <a:bodyPr/>
+        <a:lstStyle/>
+        <a:p>
+          <a:endParaRPr lang="en-GB"/>
+        </a:p>
+      </dgm:t>
+    </dgm:pt>
+    <dgm:pt modelId="{792DCAFF-3C59-437E-A747-4E4C7E4A5452}" type="sibTrans" cxnId="{5974D594-D8F6-432C-B7F8-CC0B3601FAC3}">
+      <dgm:prSet/>
+      <dgm:spPr/>
+      <dgm:t>
+        <a:bodyPr/>
+        <a:lstStyle/>
+        <a:p>
+          <a:endParaRPr lang="en-GB"/>
+        </a:p>
+      </dgm:t>
+    </dgm:pt>
+    <dgm:pt modelId="{45353915-182D-4D94-8A68-F590B8CEFEC1}">
+      <dgm:prSet phldrT="[Text]"/>
+      <dgm:spPr/>
+      <dgm:t>
+        <a:bodyPr/>
+        <a:lstStyle/>
+        <a:p>
+          <a:r>
+            <a:rPr lang="en-GB" dirty="0"/>
+            <a:t>Connector</a:t>
+          </a:r>
+        </a:p>
+      </dgm:t>
+    </dgm:pt>
+    <dgm:pt modelId="{DF92E1F7-D8F9-4C2E-A505-B237B93BC428}" type="parTrans" cxnId="{88F135E4-6DB8-401E-8210-F538FBBD465D}">
+      <dgm:prSet/>
+      <dgm:spPr/>
+      <dgm:t>
+        <a:bodyPr/>
+        <a:lstStyle/>
+        <a:p>
+          <a:endParaRPr lang="en-GB"/>
+        </a:p>
+      </dgm:t>
+    </dgm:pt>
+    <dgm:pt modelId="{B33EE71E-B4F7-46F6-88FF-B0597ABE93CB}" type="sibTrans" cxnId="{88F135E4-6DB8-401E-8210-F538FBBD465D}">
+      <dgm:prSet/>
+      <dgm:spPr/>
+      <dgm:t>
+        <a:bodyPr/>
+        <a:lstStyle/>
+        <a:p>
+          <a:endParaRPr lang="en-GB"/>
+        </a:p>
+      </dgm:t>
+    </dgm:pt>
+    <dgm:pt modelId="{38C4CC98-73D4-40D6-954C-34F5C6FFF778}">
+      <dgm:prSet phldrT="[Text]"/>
+      <dgm:spPr/>
+      <dgm:t>
+        <a:bodyPr/>
+        <a:lstStyle/>
+        <a:p>
+          <a:r>
+            <a:rPr lang="en-GB" dirty="0"/>
+            <a:t>Redux: notify subscribers</a:t>
+          </a:r>
+        </a:p>
+      </dgm:t>
+    </dgm:pt>
+    <dgm:pt modelId="{C1F9F014-D32B-48D8-9903-BF3A168D4BA3}" type="parTrans" cxnId="{1AF8E254-637B-4A0D-8657-EC40D0EC47DD}">
+      <dgm:prSet/>
+      <dgm:spPr/>
+      <dgm:t>
+        <a:bodyPr/>
+        <a:lstStyle/>
+        <a:p>
+          <a:endParaRPr lang="en-GB"/>
+        </a:p>
+      </dgm:t>
+    </dgm:pt>
+    <dgm:pt modelId="{D3DC60E6-93E6-41F4-9F3E-CF58D0B0D75C}" type="sibTrans" cxnId="{1AF8E254-637B-4A0D-8657-EC40D0EC47DD}">
+      <dgm:prSet/>
+      <dgm:spPr/>
+      <dgm:t>
+        <a:bodyPr/>
+        <a:lstStyle/>
+        <a:p>
+          <a:endParaRPr lang="en-GB"/>
+        </a:p>
+      </dgm:t>
+    </dgm:pt>
+    <dgm:pt modelId="{9C061858-678B-4BFC-890C-A320AB1DB31C}">
+      <dgm:prSet phldrT="[Text]"/>
+      <dgm:spPr/>
+      <dgm:t>
+        <a:bodyPr/>
+        <a:lstStyle/>
+        <a:p>
+          <a:r>
+            <a:rPr lang="en-GB" dirty="0"/>
+            <a:t>Connectors</a:t>
+          </a:r>
+        </a:p>
+      </dgm:t>
+    </dgm:pt>
+    <dgm:pt modelId="{3AAA7FB2-0759-466C-9BB5-D1A1B3D1ABC5}" type="parTrans" cxnId="{740E57BE-A521-4E3B-835A-1D68F4F5730F}">
+      <dgm:prSet/>
+      <dgm:spPr/>
+      <dgm:t>
+        <a:bodyPr/>
+        <a:lstStyle/>
+        <a:p>
+          <a:endParaRPr lang="en-GB"/>
+        </a:p>
+      </dgm:t>
+    </dgm:pt>
+    <dgm:pt modelId="{F2A9F66B-FDB3-4DFF-A749-E1341AE6B8EA}" type="sibTrans" cxnId="{740E57BE-A521-4E3B-835A-1D68F4F5730F}">
+      <dgm:prSet/>
+      <dgm:spPr/>
+      <dgm:t>
+        <a:bodyPr/>
+        <a:lstStyle/>
+        <a:p>
+          <a:endParaRPr lang="en-GB"/>
+        </a:p>
+      </dgm:t>
+    </dgm:pt>
+    <dgm:pt modelId="{1E765B37-5B42-4AFD-8F7F-1A897BAD2FE3}">
+      <dgm:prSet phldrT="[Text]"/>
+      <dgm:spPr/>
+      <dgm:t>
+        <a:bodyPr/>
+        <a:lstStyle/>
+        <a:p>
+          <a:r>
+            <a:rPr lang="en-GB" dirty="0"/>
+            <a:t>React: New Props</a:t>
+          </a:r>
+        </a:p>
+      </dgm:t>
+    </dgm:pt>
+    <dgm:pt modelId="{225C6310-C851-4713-A190-9B63A4D01211}" type="parTrans" cxnId="{B8641F27-AE90-4CB3-B40E-00CF4D0C1330}">
+      <dgm:prSet/>
+      <dgm:spPr/>
+      <dgm:t>
+        <a:bodyPr/>
+        <a:lstStyle/>
+        <a:p>
+          <a:endParaRPr lang="en-GB"/>
+        </a:p>
+      </dgm:t>
+    </dgm:pt>
+    <dgm:pt modelId="{F7280EBA-A88D-4D66-9F96-C6E0E3581D17}" type="sibTrans" cxnId="{B8641F27-AE90-4CB3-B40E-00CF4D0C1330}">
+      <dgm:prSet/>
+      <dgm:spPr/>
+      <dgm:t>
+        <a:bodyPr/>
+        <a:lstStyle/>
+        <a:p>
+          <a:endParaRPr lang="en-GB"/>
+        </a:p>
+      </dgm:t>
+    </dgm:pt>
+    <dgm:pt modelId="{2476D611-6A4D-4B51-83DB-5FE94EC1862F}">
+      <dgm:prSet phldrT="[Text]"/>
+      <dgm:spPr/>
+      <dgm:t>
+        <a:bodyPr/>
+        <a:lstStyle/>
+        <a:p>
+          <a:r>
+            <a:rPr lang="en-GB" dirty="0"/>
+            <a:t>(event)</a:t>
+          </a:r>
+        </a:p>
+      </dgm:t>
+    </dgm:pt>
+    <dgm:pt modelId="{7AACE824-DCB1-4AEA-8B5A-9EC68CD740DC}" type="parTrans" cxnId="{F8A4DD98-9F26-4019-B326-50D6BC4CB967}">
+      <dgm:prSet/>
+      <dgm:spPr/>
+      <dgm:t>
+        <a:bodyPr/>
+        <a:lstStyle/>
+        <a:p>
+          <a:endParaRPr lang="en-GB"/>
+        </a:p>
+      </dgm:t>
+    </dgm:pt>
+    <dgm:pt modelId="{C012F6A9-11C8-45E1-9ED6-5B9559AB0F32}" type="sibTrans" cxnId="{F8A4DD98-9F26-4019-B326-50D6BC4CB967}">
+      <dgm:prSet/>
+      <dgm:spPr/>
+      <dgm:t>
+        <a:bodyPr/>
+        <a:lstStyle/>
+        <a:p>
+          <a:endParaRPr lang="en-GB"/>
+        </a:p>
+      </dgm:t>
+    </dgm:pt>
+    <dgm:pt modelId="{CDB69018-CEA8-48A7-8300-C1AFCA96D9E1}">
+      <dgm:prSet phldrT="[Text]"/>
+      <dgm:spPr/>
+      <dgm:t>
+        <a:bodyPr/>
+        <a:lstStyle/>
+        <a:p>
+          <a:r>
+            <a:rPr lang="en-GB" dirty="0"/>
+            <a:t>(dispatch)</a:t>
+          </a:r>
+        </a:p>
+      </dgm:t>
+    </dgm:pt>
+    <dgm:pt modelId="{E7B3A4BD-AE2B-4075-B72A-2ABB18FBF073}" type="parTrans" cxnId="{F662B20E-A4C9-4307-AC0C-6CE3380F0937}">
+      <dgm:prSet/>
+      <dgm:spPr/>
+      <dgm:t>
+        <a:bodyPr/>
+        <a:lstStyle/>
+        <a:p>
+          <a:endParaRPr lang="en-GB"/>
+        </a:p>
+      </dgm:t>
+    </dgm:pt>
+    <dgm:pt modelId="{0A94B5B3-74D2-4D5F-88AA-45CF92D75B93}" type="sibTrans" cxnId="{F662B20E-A4C9-4307-AC0C-6CE3380F0937}">
+      <dgm:prSet/>
+      <dgm:spPr/>
+      <dgm:t>
+        <a:bodyPr/>
+        <a:lstStyle/>
+        <a:p>
+          <a:endParaRPr lang="en-GB"/>
+        </a:p>
+      </dgm:t>
+    </dgm:pt>
+    <dgm:pt modelId="{3CFADAFB-EEF4-4EAE-AA62-6D7D72547217}">
+      <dgm:prSet phldrT="[Text]"/>
+      <dgm:spPr/>
+      <dgm:t>
+        <a:bodyPr/>
+        <a:lstStyle/>
+        <a:p>
+          <a:r>
+            <a:rPr lang="en-GB" dirty="0"/>
+            <a:t>(action object)</a:t>
+          </a:r>
+        </a:p>
+      </dgm:t>
+    </dgm:pt>
+    <dgm:pt modelId="{F0A05B34-26BF-4781-A72B-7AA3F5317120}" type="parTrans" cxnId="{33397DB6-5B68-4E73-86A9-9C16B2A47558}">
+      <dgm:prSet/>
+      <dgm:spPr/>
+      <dgm:t>
+        <a:bodyPr/>
+        <a:lstStyle/>
+        <a:p>
+          <a:endParaRPr lang="en-GB"/>
+        </a:p>
+      </dgm:t>
+    </dgm:pt>
+    <dgm:pt modelId="{84103B02-86B2-42E4-892D-FC5DE67583A6}" type="sibTrans" cxnId="{33397DB6-5B68-4E73-86A9-9C16B2A47558}">
+      <dgm:prSet/>
+      <dgm:spPr/>
+      <dgm:t>
+        <a:bodyPr/>
+        <a:lstStyle/>
+        <a:p>
+          <a:endParaRPr lang="en-GB"/>
+        </a:p>
+      </dgm:t>
+    </dgm:pt>
+    <dgm:pt modelId="{A1E1F923-542B-42AB-A639-243EC807F3DB}">
+      <dgm:prSet phldrT="[Text]"/>
+      <dgm:spPr/>
+      <dgm:t>
+        <a:bodyPr/>
+        <a:lstStyle/>
+        <a:p>
+          <a:r>
+            <a:rPr lang="en-GB" dirty="0"/>
+            <a:t>(state, action) =&gt;</a:t>
+          </a:r>
+        </a:p>
+      </dgm:t>
+    </dgm:pt>
+    <dgm:pt modelId="{A48697EB-96D6-480B-BC4E-340C9BE3D4F5}" type="parTrans" cxnId="{5AB17377-73A5-4371-981A-00903E69CBB4}">
+      <dgm:prSet/>
+      <dgm:spPr/>
+    </dgm:pt>
+    <dgm:pt modelId="{E37569E8-977E-4552-A90A-F5615061DB43}" type="sibTrans" cxnId="{5AB17377-73A5-4371-981A-00903E69CBB4}">
+      <dgm:prSet/>
+      <dgm:spPr/>
+    </dgm:pt>
+    <dgm:pt modelId="{36F99D89-4438-4B10-B6A7-08444D8A539B}">
+      <dgm:prSet phldrT="[Text]"/>
+      <dgm:spPr/>
+      <dgm:t>
+        <a:bodyPr/>
+        <a:lstStyle/>
+        <a:p>
+          <a:r>
+            <a:rPr lang="en-GB" dirty="0"/>
+            <a:t>State -&gt; props</a:t>
+          </a:r>
+        </a:p>
+      </dgm:t>
+    </dgm:pt>
+    <dgm:pt modelId="{C18E8CB8-910B-4F8F-857A-3FD8D582D012}" type="parTrans" cxnId="{C9836A8A-4C8F-4694-A796-9D659D61CF8E}">
+      <dgm:prSet/>
+      <dgm:spPr/>
+    </dgm:pt>
+    <dgm:pt modelId="{4595EDD7-7E6B-4E01-A264-68FFA335B40A}" type="sibTrans" cxnId="{C9836A8A-4C8F-4694-A796-9D659D61CF8E}">
+      <dgm:prSet/>
+      <dgm:spPr/>
+    </dgm:pt>
+    <dgm:pt modelId="{AF74481B-87C5-4ADB-8AED-0FE163AE9371}">
+      <dgm:prSet phldrT="[Text]"/>
+      <dgm:spPr/>
+      <dgm:t>
+        <a:bodyPr/>
+        <a:lstStyle/>
+        <a:p>
+          <a:r>
+            <a:rPr lang="en-GB" dirty="0"/>
+            <a:t>render()</a:t>
+          </a:r>
+        </a:p>
+      </dgm:t>
+    </dgm:pt>
+    <dgm:pt modelId="{B74894DF-4305-4608-BB23-E03766ADD7FD}" type="parTrans" cxnId="{80E2A457-B14D-4A38-9138-C8AE79C62469}">
+      <dgm:prSet/>
+      <dgm:spPr/>
+    </dgm:pt>
+    <dgm:pt modelId="{694BA98E-325C-422F-ABD9-7F4A2547240E}" type="sibTrans" cxnId="{80E2A457-B14D-4A38-9138-C8AE79C62469}">
+      <dgm:prSet/>
+      <dgm:spPr/>
+    </dgm:pt>
+    <dgm:pt modelId="{458E2756-6BB4-439C-9D60-EEDF83B48B2A}" type="pres">
+      <dgm:prSet presAssocID="{DDF870DF-B6C7-4A37-8F28-60E6A8E19B89}" presName="Name0" presStyleCnt="0">
+        <dgm:presLayoutVars>
+          <dgm:dir/>
+          <dgm:resizeHandles val="exact"/>
+        </dgm:presLayoutVars>
+      </dgm:prSet>
+      <dgm:spPr/>
+    </dgm:pt>
+    <dgm:pt modelId="{E6B43B1F-2935-43BE-8ADA-B593A6BBF29D}" type="pres">
+      <dgm:prSet presAssocID="{DDF870DF-B6C7-4A37-8F28-60E6A8E19B89}" presName="cycle" presStyleCnt="0"/>
+      <dgm:spPr/>
+    </dgm:pt>
+    <dgm:pt modelId="{6F2B0933-4DB8-475C-A492-30CA46301915}" type="pres">
+      <dgm:prSet presAssocID="{34CA73C6-4A85-4C81-A1D7-836CD5A20EB8}" presName="nodeFirstNode" presStyleLbl="node1" presStyleIdx="0" presStyleCnt="9">
+        <dgm:presLayoutVars>
+          <dgm:bulletEnabled val="1"/>
+        </dgm:presLayoutVars>
+      </dgm:prSet>
+      <dgm:spPr/>
+    </dgm:pt>
+    <dgm:pt modelId="{1CCC23AD-6757-4805-9F32-C80231ED0C8E}" type="pres">
+      <dgm:prSet presAssocID="{F8BB64C7-129E-4A81-B0B5-17B9B2343760}" presName="sibTransFirstNode" presStyleLbl="bgShp" presStyleIdx="0" presStyleCnt="1"/>
+      <dgm:spPr/>
+    </dgm:pt>
+    <dgm:pt modelId="{5A0D15D2-2189-4ABC-B7E6-FA4DEA0E0E35}" type="pres">
+      <dgm:prSet presAssocID="{45353915-182D-4D94-8A68-F590B8CEFEC1}" presName="nodeFollowingNodes" presStyleLbl="node1" presStyleIdx="1" presStyleCnt="9">
+        <dgm:presLayoutVars>
+          <dgm:bulletEnabled val="1"/>
+        </dgm:presLayoutVars>
+      </dgm:prSet>
+      <dgm:spPr/>
+    </dgm:pt>
+    <dgm:pt modelId="{4D9389C3-A7DC-46BC-A8FD-7BC9B3827E52}" type="pres">
+      <dgm:prSet presAssocID="{03B15FBC-478C-4F54-9C55-1B4F033AE953}" presName="nodeFollowingNodes" presStyleLbl="node1" presStyleIdx="2" presStyleCnt="9">
+        <dgm:presLayoutVars>
+          <dgm:bulletEnabled val="1"/>
+        </dgm:presLayoutVars>
+      </dgm:prSet>
+      <dgm:spPr/>
+    </dgm:pt>
+    <dgm:pt modelId="{3403CF58-A05B-45D1-9214-45F6DF0810F9}" type="pres">
+      <dgm:prSet presAssocID="{AD8D33EE-6731-4638-8A24-53D1337292E5}" presName="nodeFollowingNodes" presStyleLbl="node1" presStyleIdx="3" presStyleCnt="9">
+        <dgm:presLayoutVars>
+          <dgm:bulletEnabled val="1"/>
+        </dgm:presLayoutVars>
+      </dgm:prSet>
+      <dgm:spPr/>
+    </dgm:pt>
+    <dgm:pt modelId="{73188465-C083-49A9-B6C8-5740CDB22872}" type="pres">
+      <dgm:prSet presAssocID="{987DE4B7-A2DF-4172-9BF4-16B8D3E27CEB}" presName="nodeFollowingNodes" presStyleLbl="node1" presStyleIdx="4" presStyleCnt="9">
+        <dgm:presLayoutVars>
+          <dgm:bulletEnabled val="1"/>
+        </dgm:presLayoutVars>
+      </dgm:prSet>
+      <dgm:spPr/>
+    </dgm:pt>
+    <dgm:pt modelId="{1AE9F46D-76ED-41CA-BD52-7AC006F7BFA5}" type="pres">
+      <dgm:prSet presAssocID="{7080453F-1A3E-4B05-86BF-C5F7A931184B}" presName="nodeFollowingNodes" presStyleLbl="node1" presStyleIdx="5" presStyleCnt="9">
+        <dgm:presLayoutVars>
+          <dgm:bulletEnabled val="1"/>
+        </dgm:presLayoutVars>
+      </dgm:prSet>
+      <dgm:spPr/>
+    </dgm:pt>
+    <dgm:pt modelId="{41EA27F4-EAE7-4429-8E17-7AA1C60B1543}" type="pres">
+      <dgm:prSet presAssocID="{38C4CC98-73D4-40D6-954C-34F5C6FFF778}" presName="nodeFollowingNodes" presStyleLbl="node1" presStyleIdx="6" presStyleCnt="9">
+        <dgm:presLayoutVars>
+          <dgm:bulletEnabled val="1"/>
+        </dgm:presLayoutVars>
+      </dgm:prSet>
+      <dgm:spPr/>
+    </dgm:pt>
+    <dgm:pt modelId="{71B81D80-1E5B-45FE-ABA7-6B3B8A9832FB}" type="pres">
+      <dgm:prSet presAssocID="{9C061858-678B-4BFC-890C-A320AB1DB31C}" presName="nodeFollowingNodes" presStyleLbl="node1" presStyleIdx="7" presStyleCnt="9">
+        <dgm:presLayoutVars>
+          <dgm:bulletEnabled val="1"/>
+        </dgm:presLayoutVars>
+      </dgm:prSet>
+      <dgm:spPr/>
+    </dgm:pt>
+    <dgm:pt modelId="{6068CDBC-9851-45EF-9FD4-A5C42C3E5C0F}" type="pres">
+      <dgm:prSet presAssocID="{1E765B37-5B42-4AFD-8F7F-1A897BAD2FE3}" presName="nodeFollowingNodes" presStyleLbl="node1" presStyleIdx="8" presStyleCnt="9">
+        <dgm:presLayoutVars>
+          <dgm:bulletEnabled val="1"/>
+        </dgm:presLayoutVars>
+      </dgm:prSet>
+      <dgm:spPr/>
+    </dgm:pt>
+  </dgm:ptLst>
+  <dgm:cxnLst>
+    <dgm:cxn modelId="{F662B20E-A4C9-4307-AC0C-6CE3380F0937}" srcId="{45353915-182D-4D94-8A68-F590B8CEFEC1}" destId="{CDB69018-CEA8-48A7-8300-C1AFCA96D9E1}" srcOrd="0" destOrd="0" parTransId="{E7B3A4BD-AE2B-4075-B72A-2ABB18FBF073}" sibTransId="{0A94B5B3-74D2-4D5F-88AA-45CF92D75B93}"/>
+    <dgm:cxn modelId="{C624D724-4B33-4844-ABF0-610F690A0EB6}" type="presOf" srcId="{AF74481B-87C5-4ADB-8AED-0FE163AE9371}" destId="{6068CDBC-9851-45EF-9FD4-A5C42C3E5C0F}" srcOrd="0" destOrd="1" presId="urn:microsoft.com/office/officeart/2005/8/layout/cycle3"/>
+    <dgm:cxn modelId="{B8641F27-AE90-4CB3-B40E-00CF4D0C1330}" srcId="{DDF870DF-B6C7-4A37-8F28-60E6A8E19B89}" destId="{1E765B37-5B42-4AFD-8F7F-1A897BAD2FE3}" srcOrd="8" destOrd="0" parTransId="{225C6310-C851-4713-A190-9B63A4D01211}" sibTransId="{F7280EBA-A88D-4D66-9F96-C6E0E3581D17}"/>
+    <dgm:cxn modelId="{C2B7C928-398E-4B44-8E78-3BA522A11BBD}" type="presOf" srcId="{CDB69018-CEA8-48A7-8300-C1AFCA96D9E1}" destId="{5A0D15D2-2189-4ABC-B7E6-FA4DEA0E0E35}" srcOrd="0" destOrd="1" presId="urn:microsoft.com/office/officeart/2005/8/layout/cycle3"/>
+    <dgm:cxn modelId="{CF23A12A-BA8E-4312-81C7-F2CF0ACEA90E}" type="presOf" srcId="{38C4CC98-73D4-40D6-954C-34F5C6FFF778}" destId="{41EA27F4-EAE7-4429-8E17-7AA1C60B1543}" srcOrd="0" destOrd="0" presId="urn:microsoft.com/office/officeart/2005/8/layout/cycle3"/>
+    <dgm:cxn modelId="{74098C31-10C8-4DE7-AE4D-9495AC253097}" type="presOf" srcId="{A1E1F923-542B-42AB-A639-243EC807F3DB}" destId="{73188465-C083-49A9-B6C8-5740CDB22872}" srcOrd="0" destOrd="1" presId="urn:microsoft.com/office/officeart/2005/8/layout/cycle3"/>
+    <dgm:cxn modelId="{E7F7F733-52DB-4663-B896-3763900F478D}" type="presOf" srcId="{36F99D89-4438-4B10-B6A7-08444D8A539B}" destId="{71B81D80-1E5B-45FE-ABA7-6B3B8A9832FB}" srcOrd="0" destOrd="1" presId="urn:microsoft.com/office/officeart/2005/8/layout/cycle3"/>
+    <dgm:cxn modelId="{294FCC3A-FF80-452F-9DB9-ED657E54E82D}" type="presOf" srcId="{45353915-182D-4D94-8A68-F590B8CEFEC1}" destId="{5A0D15D2-2189-4ABC-B7E6-FA4DEA0E0E35}" srcOrd="0" destOrd="0" presId="urn:microsoft.com/office/officeart/2005/8/layout/cycle3"/>
+    <dgm:cxn modelId="{5945AF5B-BFAD-4F65-8D19-E0531457738C}" type="presOf" srcId="{34CA73C6-4A85-4C81-A1D7-836CD5A20EB8}" destId="{6F2B0933-4DB8-475C-A492-30CA46301915}" srcOrd="0" destOrd="0" presId="urn:microsoft.com/office/officeart/2005/8/layout/cycle3"/>
+    <dgm:cxn modelId="{45124B63-C73D-42C4-B5E9-D7FFE5C7CB68}" type="presOf" srcId="{7080453F-1A3E-4B05-86BF-C5F7A931184B}" destId="{1AE9F46D-76ED-41CA-BD52-7AC006F7BFA5}" srcOrd="0" destOrd="0" presId="urn:microsoft.com/office/officeart/2005/8/layout/cycle3"/>
+    <dgm:cxn modelId="{FAE6F54B-856D-491B-96DB-004408497D2E}" type="presOf" srcId="{9C061858-678B-4BFC-890C-A320AB1DB31C}" destId="{71B81D80-1E5B-45FE-ABA7-6B3B8A9832FB}" srcOrd="0" destOrd="0" presId="urn:microsoft.com/office/officeart/2005/8/layout/cycle3"/>
+    <dgm:cxn modelId="{1AF8E254-637B-4A0D-8657-EC40D0EC47DD}" srcId="{DDF870DF-B6C7-4A37-8F28-60E6A8E19B89}" destId="{38C4CC98-73D4-40D6-954C-34F5C6FFF778}" srcOrd="6" destOrd="0" parTransId="{C1F9F014-D32B-48D8-9903-BF3A168D4BA3}" sibTransId="{D3DC60E6-93E6-41F4-9F3E-CF58D0B0D75C}"/>
+    <dgm:cxn modelId="{5AB17377-73A5-4371-981A-00903E69CBB4}" srcId="{987DE4B7-A2DF-4172-9BF4-16B8D3E27CEB}" destId="{A1E1F923-542B-42AB-A639-243EC807F3DB}" srcOrd="0" destOrd="0" parTransId="{A48697EB-96D6-480B-BC4E-340C9BE3D4F5}" sibTransId="{E37569E8-977E-4552-A90A-F5615061DB43}"/>
+    <dgm:cxn modelId="{80E2A457-B14D-4A38-9138-C8AE79C62469}" srcId="{1E765B37-5B42-4AFD-8F7F-1A897BAD2FE3}" destId="{AF74481B-87C5-4ADB-8AED-0FE163AE9371}" srcOrd="0" destOrd="0" parTransId="{B74894DF-4305-4608-BB23-E03766ADD7FD}" sibTransId="{694BA98E-325C-422F-ABD9-7F4A2547240E}"/>
+    <dgm:cxn modelId="{77E8C27E-9020-4296-8D9F-BF30E74FADC8}" type="presOf" srcId="{987DE4B7-A2DF-4172-9BF4-16B8D3E27CEB}" destId="{73188465-C083-49A9-B6C8-5740CDB22872}" srcOrd="0" destOrd="0" presId="urn:microsoft.com/office/officeart/2005/8/layout/cycle3"/>
+    <dgm:cxn modelId="{EC95407F-4E3F-4349-8930-72CEF35D8BC3}" type="presOf" srcId="{3CFADAFB-EEF4-4EAE-AA62-6D7D72547217}" destId="{4D9389C3-A7DC-46BC-A8FD-7BC9B3827E52}" srcOrd="0" destOrd="1" presId="urn:microsoft.com/office/officeart/2005/8/layout/cycle3"/>
+    <dgm:cxn modelId="{C9836A8A-4C8F-4694-A796-9D659D61CF8E}" srcId="{9C061858-678B-4BFC-890C-A320AB1DB31C}" destId="{36F99D89-4438-4B10-B6A7-08444D8A539B}" srcOrd="0" destOrd="0" parTransId="{C18E8CB8-910B-4F8F-857A-3FD8D582D012}" sibTransId="{4595EDD7-7E6B-4E01-A264-68FFA335B40A}"/>
+    <dgm:cxn modelId="{5974D594-D8F6-432C-B7F8-CC0B3601FAC3}" srcId="{DDF870DF-B6C7-4A37-8F28-60E6A8E19B89}" destId="{7080453F-1A3E-4B05-86BF-C5F7A931184B}" srcOrd="5" destOrd="0" parTransId="{EFC63FF9-4759-4518-A929-4DB4E6A1A863}" sibTransId="{792DCAFF-3C59-437E-A747-4E4C7E4A5452}"/>
+    <dgm:cxn modelId="{C81F1697-C7B1-4498-AC44-C48C4EC2EE93}" type="presOf" srcId="{03B15FBC-478C-4F54-9C55-1B4F033AE953}" destId="{4D9389C3-A7DC-46BC-A8FD-7BC9B3827E52}" srcOrd="0" destOrd="0" presId="urn:microsoft.com/office/officeart/2005/8/layout/cycle3"/>
+    <dgm:cxn modelId="{F8A4DD98-9F26-4019-B326-50D6BC4CB967}" srcId="{34CA73C6-4A85-4C81-A1D7-836CD5A20EB8}" destId="{2476D611-6A4D-4B51-83DB-5FE94EC1862F}" srcOrd="0" destOrd="0" parTransId="{7AACE824-DCB1-4AEA-8B5A-9EC68CD740DC}" sibTransId="{C012F6A9-11C8-45E1-9ED6-5B9559AB0F32}"/>
+    <dgm:cxn modelId="{E3C8C4AB-98EC-4D2E-82D8-4B5D48725681}" type="presOf" srcId="{F8BB64C7-129E-4A81-B0B5-17B9B2343760}" destId="{1CCC23AD-6757-4805-9F32-C80231ED0C8E}" srcOrd="0" destOrd="0" presId="urn:microsoft.com/office/officeart/2005/8/layout/cycle3"/>
+    <dgm:cxn modelId="{7397B2AF-5580-4326-B373-3F219ECDFABC}" srcId="{DDF870DF-B6C7-4A37-8F28-60E6A8E19B89}" destId="{34CA73C6-4A85-4C81-A1D7-836CD5A20EB8}" srcOrd="0" destOrd="0" parTransId="{FC4BE9C7-1763-426D-AC2B-15B677FF2420}" sibTransId="{F8BB64C7-129E-4A81-B0B5-17B9B2343760}"/>
+    <dgm:cxn modelId="{2506ACB1-8DB3-4059-8F6B-DE2C1764B4C7}" srcId="{DDF870DF-B6C7-4A37-8F28-60E6A8E19B89}" destId="{987DE4B7-A2DF-4172-9BF4-16B8D3E27CEB}" srcOrd="4" destOrd="0" parTransId="{449CBB67-37A3-406F-88A9-4BC572A5F3EB}" sibTransId="{7E575960-89BA-4161-9092-185C51D53EAD}"/>
+    <dgm:cxn modelId="{33397DB6-5B68-4E73-86A9-9C16B2A47558}" srcId="{03B15FBC-478C-4F54-9C55-1B4F033AE953}" destId="{3CFADAFB-EEF4-4EAE-AA62-6D7D72547217}" srcOrd="0" destOrd="0" parTransId="{F0A05B34-26BF-4781-A72B-7AA3F5317120}" sibTransId="{84103B02-86B2-42E4-892D-FC5DE67583A6}"/>
+    <dgm:cxn modelId="{740E57BE-A521-4E3B-835A-1D68F4F5730F}" srcId="{DDF870DF-B6C7-4A37-8F28-60E6A8E19B89}" destId="{9C061858-678B-4BFC-890C-A320AB1DB31C}" srcOrd="7" destOrd="0" parTransId="{3AAA7FB2-0759-466C-9BB5-D1A1B3D1ABC5}" sibTransId="{F2A9F66B-FDB3-4DFF-A749-E1341AE6B8EA}"/>
+    <dgm:cxn modelId="{D96E6CBF-AC9B-40AA-A9FD-D7BA814AFBE5}" type="presOf" srcId="{DDF870DF-B6C7-4A37-8F28-60E6A8E19B89}" destId="{458E2756-6BB4-439C-9D60-EEDF83B48B2A}" srcOrd="0" destOrd="0" presId="urn:microsoft.com/office/officeart/2005/8/layout/cycle3"/>
+    <dgm:cxn modelId="{5DE161CD-7B92-4E55-8F60-43EDEE990F66}" type="presOf" srcId="{2476D611-6A4D-4B51-83DB-5FE94EC1862F}" destId="{6F2B0933-4DB8-475C-A492-30CA46301915}" srcOrd="0" destOrd="1" presId="urn:microsoft.com/office/officeart/2005/8/layout/cycle3"/>
+    <dgm:cxn modelId="{48ADE2DF-07D1-4475-85FB-4C54F0D4ACB2}" type="presOf" srcId="{1E765B37-5B42-4AFD-8F7F-1A897BAD2FE3}" destId="{6068CDBC-9851-45EF-9FD4-A5C42C3E5C0F}" srcOrd="0" destOrd="0" presId="urn:microsoft.com/office/officeart/2005/8/layout/cycle3"/>
+    <dgm:cxn modelId="{88F135E4-6DB8-401E-8210-F538FBBD465D}" srcId="{DDF870DF-B6C7-4A37-8F28-60E6A8E19B89}" destId="{45353915-182D-4D94-8A68-F590B8CEFEC1}" srcOrd="1" destOrd="0" parTransId="{DF92E1F7-D8F9-4C2E-A505-B237B93BC428}" sibTransId="{B33EE71E-B4F7-46F6-88FF-B0597ABE93CB}"/>
+    <dgm:cxn modelId="{E11637EB-1E14-4354-969E-8DF2AEA06FE3}" srcId="{DDF870DF-B6C7-4A37-8F28-60E6A8E19B89}" destId="{03B15FBC-478C-4F54-9C55-1B4F033AE953}" srcOrd="2" destOrd="0" parTransId="{4BED20F2-B605-47D9-9B84-F0B5E965CFA8}" sibTransId="{EAD77D8A-A89A-4167-A1BA-6B1175F29227}"/>
+    <dgm:cxn modelId="{854E11F8-3271-4681-BA7A-ED628294AD61}" srcId="{DDF870DF-B6C7-4A37-8F28-60E6A8E19B89}" destId="{AD8D33EE-6731-4638-8A24-53D1337292E5}" srcOrd="3" destOrd="0" parTransId="{87F170BE-227B-4AF6-97D5-2052F9197A20}" sibTransId="{1B3027C3-25ED-4726-9673-E89E92A3971A}"/>
+    <dgm:cxn modelId="{805C8CFA-621F-4BBA-8515-A8CF392DEA94}" type="presOf" srcId="{AD8D33EE-6731-4638-8A24-53D1337292E5}" destId="{3403CF58-A05B-45D1-9214-45F6DF0810F9}" srcOrd="0" destOrd="0" presId="urn:microsoft.com/office/officeart/2005/8/layout/cycle3"/>
+    <dgm:cxn modelId="{705EDC05-2C23-43F3-918E-2DD4F0C2045E}" type="presParOf" srcId="{458E2756-6BB4-439C-9D60-EEDF83B48B2A}" destId="{E6B43B1F-2935-43BE-8ADA-B593A6BBF29D}" srcOrd="0" destOrd="0" presId="urn:microsoft.com/office/officeart/2005/8/layout/cycle3"/>
+    <dgm:cxn modelId="{CAA9AECD-BCDD-4C21-8C61-D0415547AFB5}" type="presParOf" srcId="{E6B43B1F-2935-43BE-8ADA-B593A6BBF29D}" destId="{6F2B0933-4DB8-475C-A492-30CA46301915}" srcOrd="0" destOrd="0" presId="urn:microsoft.com/office/officeart/2005/8/layout/cycle3"/>
+    <dgm:cxn modelId="{52436B4F-7C30-4A34-83BD-3E04AA366D7A}" type="presParOf" srcId="{E6B43B1F-2935-43BE-8ADA-B593A6BBF29D}" destId="{1CCC23AD-6757-4805-9F32-C80231ED0C8E}" srcOrd="1" destOrd="0" presId="urn:microsoft.com/office/officeart/2005/8/layout/cycle3"/>
+    <dgm:cxn modelId="{9E6D6266-673C-495F-A126-7EED89E3309F}" type="presParOf" srcId="{E6B43B1F-2935-43BE-8ADA-B593A6BBF29D}" destId="{5A0D15D2-2189-4ABC-B7E6-FA4DEA0E0E35}" srcOrd="2" destOrd="0" presId="urn:microsoft.com/office/officeart/2005/8/layout/cycle3"/>
+    <dgm:cxn modelId="{77E3E5DC-4AA8-4BBE-954D-B3F5DD7321E0}" type="presParOf" srcId="{E6B43B1F-2935-43BE-8ADA-B593A6BBF29D}" destId="{4D9389C3-A7DC-46BC-A8FD-7BC9B3827E52}" srcOrd="3" destOrd="0" presId="urn:microsoft.com/office/officeart/2005/8/layout/cycle3"/>
+    <dgm:cxn modelId="{804F8724-1F84-49DC-B060-41A91A91F306}" type="presParOf" srcId="{E6B43B1F-2935-43BE-8ADA-B593A6BBF29D}" destId="{3403CF58-A05B-45D1-9214-45F6DF0810F9}" srcOrd="4" destOrd="0" presId="urn:microsoft.com/office/officeart/2005/8/layout/cycle3"/>
+    <dgm:cxn modelId="{D44D066D-9745-4DE7-8904-6709E40A6C45}" type="presParOf" srcId="{E6B43B1F-2935-43BE-8ADA-B593A6BBF29D}" destId="{73188465-C083-49A9-B6C8-5740CDB22872}" srcOrd="5" destOrd="0" presId="urn:microsoft.com/office/officeart/2005/8/layout/cycle3"/>
+    <dgm:cxn modelId="{D42D5294-31B8-4A50-81C4-B941E5C7BE2A}" type="presParOf" srcId="{E6B43B1F-2935-43BE-8ADA-B593A6BBF29D}" destId="{1AE9F46D-76ED-41CA-BD52-7AC006F7BFA5}" srcOrd="6" destOrd="0" presId="urn:microsoft.com/office/officeart/2005/8/layout/cycle3"/>
+    <dgm:cxn modelId="{59552F1C-CF21-4966-81CF-39A43CD9872E}" type="presParOf" srcId="{E6B43B1F-2935-43BE-8ADA-B593A6BBF29D}" destId="{41EA27F4-EAE7-4429-8E17-7AA1C60B1543}" srcOrd="7" destOrd="0" presId="urn:microsoft.com/office/officeart/2005/8/layout/cycle3"/>
+    <dgm:cxn modelId="{5713F51C-6B91-4966-AF43-3D2CDD9952CB}" type="presParOf" srcId="{E6B43B1F-2935-43BE-8ADA-B593A6BBF29D}" destId="{71B81D80-1E5B-45FE-ABA7-6B3B8A9832FB}" srcOrd="8" destOrd="0" presId="urn:microsoft.com/office/officeart/2005/8/layout/cycle3"/>
+    <dgm:cxn modelId="{D9054E7F-0DC1-48D9-98B3-D630F4494914}" type="presParOf" srcId="{E6B43B1F-2935-43BE-8ADA-B593A6BBF29D}" destId="{6068CDBC-9851-45EF-9FD4-A5C42C3E5C0F}" srcOrd="9" destOrd="0" presId="urn:microsoft.com/office/officeart/2005/8/layout/cycle3"/>
+  </dgm:cxnLst>
+  <dgm:bg/>
+  <dgm:whole/>
+  <dgm:extLst>
+    <a:ext uri="http://schemas.microsoft.com/office/drawing/2008/diagram">
+      <dsp:dataModelExt xmlns:dsp="http://schemas.microsoft.com/office/drawing/2008/diagram" relId="rId6" minVer="http://schemas.openxmlformats.org/drawingml/2006/diagram"/>
+    </a:ext>
+  </dgm:extLst>
+</dgm:dataModel>
+</file>
+
 <file path=ppt/diagrams/drawing1.xml><?xml version="1.0" encoding="utf-8"?>
 <dsp:drawing xmlns:dgm="http://schemas.openxmlformats.org/drawingml/2006/diagram" xmlns:dsp="http://schemas.microsoft.com/office/drawing/2008/diagram" xmlns:a="http://schemas.openxmlformats.org/drawingml/2006/main">
   <dsp:spTree>
@@ -12180,6 +13767,879 @@
       <dsp:txXfrm>
         <a:off x="9743925" y="1069905"/>
         <a:ext cx="1731049" cy="907031"/>
+      </dsp:txXfrm>
+    </dsp:sp>
+  </dsp:spTree>
+</dsp:drawing>
+</file>
+
+<file path=ppt/diagrams/drawing7.xml><?xml version="1.0" encoding="utf-8"?>
+<dsp:drawing xmlns:dgm="http://schemas.openxmlformats.org/drawingml/2006/diagram" xmlns:dsp="http://schemas.microsoft.com/office/drawing/2008/diagram" xmlns:a="http://schemas.openxmlformats.org/drawingml/2006/main">
+  <dsp:spTree>
+    <dsp:nvGrpSpPr>
+      <dsp:cNvPr id="0" name=""/>
+      <dsp:cNvGrpSpPr/>
+    </dsp:nvGrpSpPr>
+    <dsp:grpSpPr/>
+    <dsp:sp modelId="{1CCC23AD-6757-4805-9F32-C80231ED0C8E}">
+      <dsp:nvSpPr>
+        <dsp:cNvPr id="0" name=""/>
+        <dsp:cNvSpPr/>
+      </dsp:nvSpPr>
+      <dsp:spPr>
+        <a:xfrm>
+          <a:off x="1884254" y="-68336"/>
+          <a:ext cx="6747091" cy="6747091"/>
+        </a:xfrm>
+        <a:prstGeom prst="circularArrow">
+          <a:avLst>
+            <a:gd name="adj1" fmla="val 5544"/>
+            <a:gd name="adj2" fmla="val 330680"/>
+            <a:gd name="adj3" fmla="val 14739600"/>
+            <a:gd name="adj4" fmla="val 16823152"/>
+            <a:gd name="adj5" fmla="val 5757"/>
+          </a:avLst>
+        </a:prstGeom>
+        <a:solidFill>
+          <a:schemeClr val="accent2">
+            <a:tint val="40000"/>
+            <a:hueOff val="0"/>
+            <a:satOff val="0"/>
+            <a:lumOff val="0"/>
+            <a:alphaOff val="0"/>
+          </a:schemeClr>
+        </a:solidFill>
+        <a:ln>
+          <a:noFill/>
+        </a:ln>
+        <a:effectLst/>
+      </dsp:spPr>
+      <dsp:style>
+        <a:lnRef idx="0">
+          <a:scrgbClr r="0" g="0" b="0"/>
+        </a:lnRef>
+        <a:fillRef idx="1">
+          <a:scrgbClr r="0" g="0" b="0"/>
+        </a:fillRef>
+        <a:effectRef idx="0">
+          <a:scrgbClr r="0" g="0" b="0"/>
+        </a:effectRef>
+        <a:fontRef idx="minor"/>
+      </dsp:style>
+    </dsp:sp>
+    <dsp:sp modelId="{6F2B0933-4DB8-475C-A492-30CA46301915}">
+      <dsp:nvSpPr>
+        <dsp:cNvPr id="0" name=""/>
+        <dsp:cNvSpPr/>
+      </dsp:nvSpPr>
+      <dsp:spPr>
+        <a:xfrm>
+          <a:off x="4375937" y="4862"/>
+          <a:ext cx="1763724" cy="881862"/>
+        </a:xfrm>
+        <a:prstGeom prst="roundRect">
+          <a:avLst/>
+        </a:prstGeom>
+        <a:solidFill>
+          <a:schemeClr val="accent2">
+            <a:hueOff val="0"/>
+            <a:satOff val="0"/>
+            <a:lumOff val="0"/>
+            <a:alphaOff val="0"/>
+          </a:schemeClr>
+        </a:solidFill>
+        <a:ln w="12700" cap="flat" cmpd="sng" algn="ctr">
+          <a:solidFill>
+            <a:schemeClr val="lt1">
+              <a:hueOff val="0"/>
+              <a:satOff val="0"/>
+              <a:lumOff val="0"/>
+              <a:alphaOff val="0"/>
+            </a:schemeClr>
+          </a:solidFill>
+          <a:prstDash val="solid"/>
+          <a:miter lim="800000"/>
+        </a:ln>
+        <a:effectLst/>
+      </dsp:spPr>
+      <dsp:style>
+        <a:lnRef idx="2">
+          <a:scrgbClr r="0" g="0" b="0"/>
+        </a:lnRef>
+        <a:fillRef idx="1">
+          <a:scrgbClr r="0" g="0" b="0"/>
+        </a:fillRef>
+        <a:effectRef idx="0">
+          <a:scrgbClr r="0" g="0" b="0"/>
+        </a:effectRef>
+        <a:fontRef idx="minor">
+          <a:schemeClr val="lt1"/>
+        </a:fontRef>
+      </dsp:style>
+      <dsp:txBody>
+        <a:bodyPr spcFirstLastPara="0" vert="horz" wrap="square" lIns="57150" tIns="57150" rIns="57150" bIns="57150" numCol="1" spcCol="1270" anchor="t" anchorCtr="0">
+          <a:noAutofit/>
+        </a:bodyPr>
+        <a:lstStyle/>
+        <a:p>
+          <a:pPr marL="0" lvl="0" indent="0" algn="l" defTabSz="666750">
+            <a:lnSpc>
+              <a:spcPct val="90000"/>
+            </a:lnSpc>
+            <a:spcBef>
+              <a:spcPct val="0"/>
+            </a:spcBef>
+            <a:spcAft>
+              <a:spcPct val="35000"/>
+            </a:spcAft>
+            <a:buNone/>
+          </a:pPr>
+          <a:r>
+            <a:rPr lang="en-GB" sz="1500" kern="1200" dirty="0"/>
+            <a:t>UI (react)</a:t>
+          </a:r>
+        </a:p>
+        <a:p>
+          <a:pPr marL="114300" lvl="1" indent="-114300" algn="l" defTabSz="533400">
+            <a:lnSpc>
+              <a:spcPct val="90000"/>
+            </a:lnSpc>
+            <a:spcBef>
+              <a:spcPct val="0"/>
+            </a:spcBef>
+            <a:spcAft>
+              <a:spcPct val="15000"/>
+            </a:spcAft>
+            <a:buChar char="•"/>
+          </a:pPr>
+          <a:r>
+            <a:rPr lang="en-GB" sz="1200" kern="1200" dirty="0"/>
+            <a:t>(event)</a:t>
+          </a:r>
+        </a:p>
+      </dsp:txBody>
+      <dsp:txXfrm>
+        <a:off x="4418986" y="47911"/>
+        <a:ext cx="1677626" cy="795764"/>
+      </dsp:txXfrm>
+    </dsp:sp>
+    <dsp:sp modelId="{5A0D15D2-2189-4ABC-B7E6-FA4DEA0E0E35}">
+      <dsp:nvSpPr>
+        <dsp:cNvPr id="0" name=""/>
+        <dsp:cNvSpPr/>
+      </dsp:nvSpPr>
+      <dsp:spPr>
+        <a:xfrm>
+          <a:off x="6225381" y="678004"/>
+          <a:ext cx="1763724" cy="881862"/>
+        </a:xfrm>
+        <a:prstGeom prst="roundRect">
+          <a:avLst/>
+        </a:prstGeom>
+        <a:solidFill>
+          <a:schemeClr val="accent3">
+            <a:hueOff val="0"/>
+            <a:satOff val="0"/>
+            <a:lumOff val="0"/>
+            <a:alphaOff val="0"/>
+          </a:schemeClr>
+        </a:solidFill>
+        <a:ln w="12700" cap="flat" cmpd="sng" algn="ctr">
+          <a:solidFill>
+            <a:schemeClr val="lt1">
+              <a:hueOff val="0"/>
+              <a:satOff val="0"/>
+              <a:lumOff val="0"/>
+              <a:alphaOff val="0"/>
+            </a:schemeClr>
+          </a:solidFill>
+          <a:prstDash val="solid"/>
+          <a:miter lim="800000"/>
+        </a:ln>
+        <a:effectLst/>
+      </dsp:spPr>
+      <dsp:style>
+        <a:lnRef idx="2">
+          <a:scrgbClr r="0" g="0" b="0"/>
+        </a:lnRef>
+        <a:fillRef idx="1">
+          <a:scrgbClr r="0" g="0" b="0"/>
+        </a:fillRef>
+        <a:effectRef idx="0">
+          <a:scrgbClr r="0" g="0" b="0"/>
+        </a:effectRef>
+        <a:fontRef idx="minor">
+          <a:schemeClr val="lt1"/>
+        </a:fontRef>
+      </dsp:style>
+      <dsp:txBody>
+        <a:bodyPr spcFirstLastPara="0" vert="horz" wrap="square" lIns="57150" tIns="57150" rIns="57150" bIns="57150" numCol="1" spcCol="1270" anchor="t" anchorCtr="0">
+          <a:noAutofit/>
+        </a:bodyPr>
+        <a:lstStyle/>
+        <a:p>
+          <a:pPr marL="0" lvl="0" indent="0" algn="l" defTabSz="666750">
+            <a:lnSpc>
+              <a:spcPct val="90000"/>
+            </a:lnSpc>
+            <a:spcBef>
+              <a:spcPct val="0"/>
+            </a:spcBef>
+            <a:spcAft>
+              <a:spcPct val="35000"/>
+            </a:spcAft>
+            <a:buNone/>
+          </a:pPr>
+          <a:r>
+            <a:rPr lang="en-GB" sz="1500" kern="1200" dirty="0"/>
+            <a:t>Connector</a:t>
+          </a:r>
+        </a:p>
+        <a:p>
+          <a:pPr marL="114300" lvl="1" indent="-114300" algn="l" defTabSz="533400">
+            <a:lnSpc>
+              <a:spcPct val="90000"/>
+            </a:lnSpc>
+            <a:spcBef>
+              <a:spcPct val="0"/>
+            </a:spcBef>
+            <a:spcAft>
+              <a:spcPct val="15000"/>
+            </a:spcAft>
+            <a:buChar char="•"/>
+          </a:pPr>
+          <a:r>
+            <a:rPr lang="en-GB" sz="1200" kern="1200" dirty="0"/>
+            <a:t>(dispatch)</a:t>
+          </a:r>
+        </a:p>
+      </dsp:txBody>
+      <dsp:txXfrm>
+        <a:off x="6268430" y="721053"/>
+        <a:ext cx="1677626" cy="795764"/>
+      </dsp:txXfrm>
+    </dsp:sp>
+    <dsp:sp modelId="{4D9389C3-A7DC-46BC-A8FD-7BC9B3827E52}">
+      <dsp:nvSpPr>
+        <dsp:cNvPr id="0" name=""/>
+        <dsp:cNvSpPr/>
+      </dsp:nvSpPr>
+      <dsp:spPr>
+        <a:xfrm>
+          <a:off x="7209450" y="2382461"/>
+          <a:ext cx="1763724" cy="881862"/>
+        </a:xfrm>
+        <a:prstGeom prst="roundRect">
+          <a:avLst/>
+        </a:prstGeom>
+        <a:solidFill>
+          <a:schemeClr val="accent4">
+            <a:hueOff val="0"/>
+            <a:satOff val="0"/>
+            <a:lumOff val="0"/>
+            <a:alphaOff val="0"/>
+          </a:schemeClr>
+        </a:solidFill>
+        <a:ln w="12700" cap="flat" cmpd="sng" algn="ctr">
+          <a:solidFill>
+            <a:schemeClr val="lt1">
+              <a:hueOff val="0"/>
+              <a:satOff val="0"/>
+              <a:lumOff val="0"/>
+              <a:alphaOff val="0"/>
+            </a:schemeClr>
+          </a:solidFill>
+          <a:prstDash val="solid"/>
+          <a:miter lim="800000"/>
+        </a:ln>
+        <a:effectLst/>
+      </dsp:spPr>
+      <dsp:style>
+        <a:lnRef idx="2">
+          <a:scrgbClr r="0" g="0" b="0"/>
+        </a:lnRef>
+        <a:fillRef idx="1">
+          <a:scrgbClr r="0" g="0" b="0"/>
+        </a:fillRef>
+        <a:effectRef idx="0">
+          <a:scrgbClr r="0" g="0" b="0"/>
+        </a:effectRef>
+        <a:fontRef idx="minor">
+          <a:schemeClr val="lt1"/>
+        </a:fontRef>
+      </dsp:style>
+      <dsp:txBody>
+        <a:bodyPr spcFirstLastPara="0" vert="horz" wrap="square" lIns="57150" tIns="57150" rIns="57150" bIns="57150" numCol="1" spcCol="1270" anchor="t" anchorCtr="0">
+          <a:noAutofit/>
+        </a:bodyPr>
+        <a:lstStyle/>
+        <a:p>
+          <a:pPr marL="0" lvl="0" indent="0" algn="l" defTabSz="666750">
+            <a:lnSpc>
+              <a:spcPct val="90000"/>
+            </a:lnSpc>
+            <a:spcBef>
+              <a:spcPct val="0"/>
+            </a:spcBef>
+            <a:spcAft>
+              <a:spcPct val="35000"/>
+            </a:spcAft>
+            <a:buNone/>
+          </a:pPr>
+          <a:r>
+            <a:rPr lang="en-GB" sz="1500" kern="1200" dirty="0"/>
+            <a:t>Duck: </a:t>
+          </a:r>
+          <a:r>
+            <a:rPr lang="en-GB" sz="1500" kern="1200" dirty="0" err="1"/>
+            <a:t>ActionCreator</a:t>
+          </a:r>
+          <a:endParaRPr lang="en-GB" sz="1500" kern="1200" dirty="0"/>
+        </a:p>
+        <a:p>
+          <a:pPr marL="114300" lvl="1" indent="-114300" algn="l" defTabSz="533400">
+            <a:lnSpc>
+              <a:spcPct val="90000"/>
+            </a:lnSpc>
+            <a:spcBef>
+              <a:spcPct val="0"/>
+            </a:spcBef>
+            <a:spcAft>
+              <a:spcPct val="15000"/>
+            </a:spcAft>
+            <a:buChar char="•"/>
+          </a:pPr>
+          <a:r>
+            <a:rPr lang="en-GB" sz="1200" kern="1200" dirty="0"/>
+            <a:t>(action object)</a:t>
+          </a:r>
+        </a:p>
+      </dsp:txBody>
+      <dsp:txXfrm>
+        <a:off x="7252499" y="2425510"/>
+        <a:ext cx="1677626" cy="795764"/>
+      </dsp:txXfrm>
+    </dsp:sp>
+    <dsp:sp modelId="{3403CF58-A05B-45D1-9214-45F6DF0810F9}">
+      <dsp:nvSpPr>
+        <dsp:cNvPr id="0" name=""/>
+        <dsp:cNvSpPr/>
+      </dsp:nvSpPr>
+      <dsp:spPr>
+        <a:xfrm>
+          <a:off x="6867687" y="4320698"/>
+          <a:ext cx="1763724" cy="881862"/>
+        </a:xfrm>
+        <a:prstGeom prst="roundRect">
+          <a:avLst/>
+        </a:prstGeom>
+        <a:solidFill>
+          <a:schemeClr val="accent5">
+            <a:hueOff val="0"/>
+            <a:satOff val="0"/>
+            <a:lumOff val="0"/>
+            <a:alphaOff val="0"/>
+          </a:schemeClr>
+        </a:solidFill>
+        <a:ln w="12700" cap="flat" cmpd="sng" algn="ctr">
+          <a:solidFill>
+            <a:schemeClr val="lt1">
+              <a:hueOff val="0"/>
+              <a:satOff val="0"/>
+              <a:lumOff val="0"/>
+              <a:alphaOff val="0"/>
+            </a:schemeClr>
+          </a:solidFill>
+          <a:prstDash val="solid"/>
+          <a:miter lim="800000"/>
+        </a:ln>
+        <a:effectLst/>
+      </dsp:spPr>
+      <dsp:style>
+        <a:lnRef idx="2">
+          <a:scrgbClr r="0" g="0" b="0"/>
+        </a:lnRef>
+        <a:fillRef idx="1">
+          <a:scrgbClr r="0" g="0" b="0"/>
+        </a:fillRef>
+        <a:effectRef idx="0">
+          <a:scrgbClr r="0" g="0" b="0"/>
+        </a:effectRef>
+        <a:fontRef idx="minor">
+          <a:schemeClr val="lt1"/>
+        </a:fontRef>
+      </dsp:style>
+      <dsp:txBody>
+        <a:bodyPr spcFirstLastPara="0" vert="horz" wrap="square" lIns="57150" tIns="57150" rIns="57150" bIns="57150" numCol="1" spcCol="1270" anchor="ctr" anchorCtr="0">
+          <a:noAutofit/>
+        </a:bodyPr>
+        <a:lstStyle/>
+        <a:p>
+          <a:pPr marL="0" lvl="0" indent="0" algn="ctr" defTabSz="666750">
+            <a:lnSpc>
+              <a:spcPct val="90000"/>
+            </a:lnSpc>
+            <a:spcBef>
+              <a:spcPct val="0"/>
+            </a:spcBef>
+            <a:spcAft>
+              <a:spcPct val="35000"/>
+            </a:spcAft>
+            <a:buNone/>
+          </a:pPr>
+          <a:r>
+            <a:rPr lang="en-GB" sz="1500" kern="1200" dirty="0"/>
+            <a:t>Redux: Dispatch</a:t>
+          </a:r>
+        </a:p>
+      </dsp:txBody>
+      <dsp:txXfrm>
+        <a:off x="6910736" y="4363747"/>
+        <a:ext cx="1677626" cy="795764"/>
+      </dsp:txXfrm>
+    </dsp:sp>
+    <dsp:sp modelId="{73188465-C083-49A9-B6C8-5740CDB22872}">
+      <dsp:nvSpPr>
+        <dsp:cNvPr id="0" name=""/>
+        <dsp:cNvSpPr/>
+      </dsp:nvSpPr>
+      <dsp:spPr>
+        <a:xfrm>
+          <a:off x="5360006" y="5585793"/>
+          <a:ext cx="1763724" cy="881862"/>
+        </a:xfrm>
+        <a:prstGeom prst="roundRect">
+          <a:avLst/>
+        </a:prstGeom>
+        <a:solidFill>
+          <a:schemeClr val="accent6">
+            <a:hueOff val="0"/>
+            <a:satOff val="0"/>
+            <a:lumOff val="0"/>
+            <a:alphaOff val="0"/>
+          </a:schemeClr>
+        </a:solidFill>
+        <a:ln w="12700" cap="flat" cmpd="sng" algn="ctr">
+          <a:solidFill>
+            <a:schemeClr val="lt1">
+              <a:hueOff val="0"/>
+              <a:satOff val="0"/>
+              <a:lumOff val="0"/>
+              <a:alphaOff val="0"/>
+            </a:schemeClr>
+          </a:solidFill>
+          <a:prstDash val="solid"/>
+          <a:miter lim="800000"/>
+        </a:ln>
+        <a:effectLst/>
+      </dsp:spPr>
+      <dsp:style>
+        <a:lnRef idx="2">
+          <a:scrgbClr r="0" g="0" b="0"/>
+        </a:lnRef>
+        <a:fillRef idx="1">
+          <a:scrgbClr r="0" g="0" b="0"/>
+        </a:fillRef>
+        <a:effectRef idx="0">
+          <a:scrgbClr r="0" g="0" b="0"/>
+        </a:effectRef>
+        <a:fontRef idx="minor">
+          <a:schemeClr val="lt1"/>
+        </a:fontRef>
+      </dsp:style>
+      <dsp:txBody>
+        <a:bodyPr spcFirstLastPara="0" vert="horz" wrap="square" lIns="57150" tIns="57150" rIns="57150" bIns="57150" numCol="1" spcCol="1270" anchor="t" anchorCtr="0">
+          <a:noAutofit/>
+        </a:bodyPr>
+        <a:lstStyle/>
+        <a:p>
+          <a:pPr marL="0" lvl="0" indent="0" algn="l" defTabSz="666750">
+            <a:lnSpc>
+              <a:spcPct val="90000"/>
+            </a:lnSpc>
+            <a:spcBef>
+              <a:spcPct val="0"/>
+            </a:spcBef>
+            <a:spcAft>
+              <a:spcPct val="35000"/>
+            </a:spcAft>
+            <a:buNone/>
+          </a:pPr>
+          <a:r>
+            <a:rPr lang="en-GB" sz="1500" kern="1200" dirty="0"/>
+            <a:t>Duck: Reducer</a:t>
+          </a:r>
+        </a:p>
+        <a:p>
+          <a:pPr marL="114300" lvl="1" indent="-114300" algn="l" defTabSz="533400">
+            <a:lnSpc>
+              <a:spcPct val="90000"/>
+            </a:lnSpc>
+            <a:spcBef>
+              <a:spcPct val="0"/>
+            </a:spcBef>
+            <a:spcAft>
+              <a:spcPct val="15000"/>
+            </a:spcAft>
+            <a:buChar char="•"/>
+          </a:pPr>
+          <a:r>
+            <a:rPr lang="en-GB" sz="1200" kern="1200" dirty="0"/>
+            <a:t>(state, action) =&gt;</a:t>
+          </a:r>
+        </a:p>
+      </dsp:txBody>
+      <dsp:txXfrm>
+        <a:off x="5403055" y="5628842"/>
+        <a:ext cx="1677626" cy="795764"/>
+      </dsp:txXfrm>
+    </dsp:sp>
+    <dsp:sp modelId="{1AE9F46D-76ED-41CA-BD52-7AC006F7BFA5}">
+      <dsp:nvSpPr>
+        <dsp:cNvPr id="0" name=""/>
+        <dsp:cNvSpPr/>
+      </dsp:nvSpPr>
+      <dsp:spPr>
+        <a:xfrm>
+          <a:off x="3391868" y="5585793"/>
+          <a:ext cx="1763724" cy="881862"/>
+        </a:xfrm>
+        <a:prstGeom prst="roundRect">
+          <a:avLst/>
+        </a:prstGeom>
+        <a:solidFill>
+          <a:schemeClr val="accent2">
+            <a:hueOff val="0"/>
+            <a:satOff val="0"/>
+            <a:lumOff val="0"/>
+            <a:alphaOff val="0"/>
+          </a:schemeClr>
+        </a:solidFill>
+        <a:ln w="12700" cap="flat" cmpd="sng" algn="ctr">
+          <a:solidFill>
+            <a:schemeClr val="lt1">
+              <a:hueOff val="0"/>
+              <a:satOff val="0"/>
+              <a:lumOff val="0"/>
+              <a:alphaOff val="0"/>
+            </a:schemeClr>
+          </a:solidFill>
+          <a:prstDash val="solid"/>
+          <a:miter lim="800000"/>
+        </a:ln>
+        <a:effectLst/>
+      </dsp:spPr>
+      <dsp:style>
+        <a:lnRef idx="2">
+          <a:scrgbClr r="0" g="0" b="0"/>
+        </a:lnRef>
+        <a:fillRef idx="1">
+          <a:scrgbClr r="0" g="0" b="0"/>
+        </a:fillRef>
+        <a:effectRef idx="0">
+          <a:scrgbClr r="0" g="0" b="0"/>
+        </a:effectRef>
+        <a:fontRef idx="minor">
+          <a:schemeClr val="lt1"/>
+        </a:fontRef>
+      </dsp:style>
+      <dsp:txBody>
+        <a:bodyPr spcFirstLastPara="0" vert="horz" wrap="square" lIns="57150" tIns="57150" rIns="57150" bIns="57150" numCol="1" spcCol="1270" anchor="ctr" anchorCtr="0">
+          <a:noAutofit/>
+        </a:bodyPr>
+        <a:lstStyle/>
+        <a:p>
+          <a:pPr marL="0" lvl="0" indent="0" algn="ctr" defTabSz="666750">
+            <a:lnSpc>
+              <a:spcPct val="90000"/>
+            </a:lnSpc>
+            <a:spcBef>
+              <a:spcPct val="0"/>
+            </a:spcBef>
+            <a:spcAft>
+              <a:spcPct val="35000"/>
+            </a:spcAft>
+            <a:buNone/>
+          </a:pPr>
+          <a:r>
+            <a:rPr lang="en-GB" sz="1500" kern="1200" dirty="0"/>
+            <a:t>Redux new state</a:t>
+          </a:r>
+        </a:p>
+      </dsp:txBody>
+      <dsp:txXfrm>
+        <a:off x="3434917" y="5628842"/>
+        <a:ext cx="1677626" cy="795764"/>
+      </dsp:txXfrm>
+    </dsp:sp>
+    <dsp:sp modelId="{41EA27F4-EAE7-4429-8E17-7AA1C60B1543}">
+      <dsp:nvSpPr>
+        <dsp:cNvPr id="0" name=""/>
+        <dsp:cNvSpPr/>
+      </dsp:nvSpPr>
+      <dsp:spPr>
+        <a:xfrm>
+          <a:off x="1884188" y="4320698"/>
+          <a:ext cx="1763724" cy="881862"/>
+        </a:xfrm>
+        <a:prstGeom prst="roundRect">
+          <a:avLst/>
+        </a:prstGeom>
+        <a:solidFill>
+          <a:schemeClr val="accent3">
+            <a:hueOff val="0"/>
+            <a:satOff val="0"/>
+            <a:lumOff val="0"/>
+            <a:alphaOff val="0"/>
+          </a:schemeClr>
+        </a:solidFill>
+        <a:ln w="12700" cap="flat" cmpd="sng" algn="ctr">
+          <a:solidFill>
+            <a:schemeClr val="lt1">
+              <a:hueOff val="0"/>
+              <a:satOff val="0"/>
+              <a:lumOff val="0"/>
+              <a:alphaOff val="0"/>
+            </a:schemeClr>
+          </a:solidFill>
+          <a:prstDash val="solid"/>
+          <a:miter lim="800000"/>
+        </a:ln>
+        <a:effectLst/>
+      </dsp:spPr>
+      <dsp:style>
+        <a:lnRef idx="2">
+          <a:scrgbClr r="0" g="0" b="0"/>
+        </a:lnRef>
+        <a:fillRef idx="1">
+          <a:scrgbClr r="0" g="0" b="0"/>
+        </a:fillRef>
+        <a:effectRef idx="0">
+          <a:scrgbClr r="0" g="0" b="0"/>
+        </a:effectRef>
+        <a:fontRef idx="minor">
+          <a:schemeClr val="lt1"/>
+        </a:fontRef>
+      </dsp:style>
+      <dsp:txBody>
+        <a:bodyPr spcFirstLastPara="0" vert="horz" wrap="square" lIns="57150" tIns="57150" rIns="57150" bIns="57150" numCol="1" spcCol="1270" anchor="ctr" anchorCtr="0">
+          <a:noAutofit/>
+        </a:bodyPr>
+        <a:lstStyle/>
+        <a:p>
+          <a:pPr marL="0" lvl="0" indent="0" algn="ctr" defTabSz="666750">
+            <a:lnSpc>
+              <a:spcPct val="90000"/>
+            </a:lnSpc>
+            <a:spcBef>
+              <a:spcPct val="0"/>
+            </a:spcBef>
+            <a:spcAft>
+              <a:spcPct val="35000"/>
+            </a:spcAft>
+            <a:buNone/>
+          </a:pPr>
+          <a:r>
+            <a:rPr lang="en-GB" sz="1500" kern="1200" dirty="0"/>
+            <a:t>Redux: notify subscribers</a:t>
+          </a:r>
+        </a:p>
+      </dsp:txBody>
+      <dsp:txXfrm>
+        <a:off x="1927237" y="4363747"/>
+        <a:ext cx="1677626" cy="795764"/>
+      </dsp:txXfrm>
+    </dsp:sp>
+    <dsp:sp modelId="{71B81D80-1E5B-45FE-ABA7-6B3B8A9832FB}">
+      <dsp:nvSpPr>
+        <dsp:cNvPr id="0" name=""/>
+        <dsp:cNvSpPr/>
+      </dsp:nvSpPr>
+      <dsp:spPr>
+        <a:xfrm>
+          <a:off x="1542424" y="2382461"/>
+          <a:ext cx="1763724" cy="881862"/>
+        </a:xfrm>
+        <a:prstGeom prst="roundRect">
+          <a:avLst/>
+        </a:prstGeom>
+        <a:solidFill>
+          <a:schemeClr val="accent4">
+            <a:hueOff val="0"/>
+            <a:satOff val="0"/>
+            <a:lumOff val="0"/>
+            <a:alphaOff val="0"/>
+          </a:schemeClr>
+        </a:solidFill>
+        <a:ln w="12700" cap="flat" cmpd="sng" algn="ctr">
+          <a:solidFill>
+            <a:schemeClr val="lt1">
+              <a:hueOff val="0"/>
+              <a:satOff val="0"/>
+              <a:lumOff val="0"/>
+              <a:alphaOff val="0"/>
+            </a:schemeClr>
+          </a:solidFill>
+          <a:prstDash val="solid"/>
+          <a:miter lim="800000"/>
+        </a:ln>
+        <a:effectLst/>
+      </dsp:spPr>
+      <dsp:style>
+        <a:lnRef idx="2">
+          <a:scrgbClr r="0" g="0" b="0"/>
+        </a:lnRef>
+        <a:fillRef idx="1">
+          <a:scrgbClr r="0" g="0" b="0"/>
+        </a:fillRef>
+        <a:effectRef idx="0">
+          <a:scrgbClr r="0" g="0" b="0"/>
+        </a:effectRef>
+        <a:fontRef idx="minor">
+          <a:schemeClr val="lt1"/>
+        </a:fontRef>
+      </dsp:style>
+      <dsp:txBody>
+        <a:bodyPr spcFirstLastPara="0" vert="horz" wrap="square" lIns="57150" tIns="57150" rIns="57150" bIns="57150" numCol="1" spcCol="1270" anchor="t" anchorCtr="0">
+          <a:noAutofit/>
+        </a:bodyPr>
+        <a:lstStyle/>
+        <a:p>
+          <a:pPr marL="0" lvl="0" indent="0" algn="l" defTabSz="666750">
+            <a:lnSpc>
+              <a:spcPct val="90000"/>
+            </a:lnSpc>
+            <a:spcBef>
+              <a:spcPct val="0"/>
+            </a:spcBef>
+            <a:spcAft>
+              <a:spcPct val="35000"/>
+            </a:spcAft>
+            <a:buNone/>
+          </a:pPr>
+          <a:r>
+            <a:rPr lang="en-GB" sz="1500" kern="1200" dirty="0"/>
+            <a:t>Connectors</a:t>
+          </a:r>
+        </a:p>
+        <a:p>
+          <a:pPr marL="114300" lvl="1" indent="-114300" algn="l" defTabSz="533400">
+            <a:lnSpc>
+              <a:spcPct val="90000"/>
+            </a:lnSpc>
+            <a:spcBef>
+              <a:spcPct val="0"/>
+            </a:spcBef>
+            <a:spcAft>
+              <a:spcPct val="15000"/>
+            </a:spcAft>
+            <a:buChar char="•"/>
+          </a:pPr>
+          <a:r>
+            <a:rPr lang="en-GB" sz="1200" kern="1200" dirty="0"/>
+            <a:t>State -&gt; props</a:t>
+          </a:r>
+        </a:p>
+      </dsp:txBody>
+      <dsp:txXfrm>
+        <a:off x="1585473" y="2425510"/>
+        <a:ext cx="1677626" cy="795764"/>
+      </dsp:txXfrm>
+    </dsp:sp>
+    <dsp:sp modelId="{6068CDBC-9851-45EF-9FD4-A5C42C3E5C0F}">
+      <dsp:nvSpPr>
+        <dsp:cNvPr id="0" name=""/>
+        <dsp:cNvSpPr/>
+      </dsp:nvSpPr>
+      <dsp:spPr>
+        <a:xfrm>
+          <a:off x="2526493" y="678004"/>
+          <a:ext cx="1763724" cy="881862"/>
+        </a:xfrm>
+        <a:prstGeom prst="roundRect">
+          <a:avLst/>
+        </a:prstGeom>
+        <a:solidFill>
+          <a:schemeClr val="accent5">
+            <a:hueOff val="0"/>
+            <a:satOff val="0"/>
+            <a:lumOff val="0"/>
+            <a:alphaOff val="0"/>
+          </a:schemeClr>
+        </a:solidFill>
+        <a:ln w="12700" cap="flat" cmpd="sng" algn="ctr">
+          <a:solidFill>
+            <a:schemeClr val="lt1">
+              <a:hueOff val="0"/>
+              <a:satOff val="0"/>
+              <a:lumOff val="0"/>
+              <a:alphaOff val="0"/>
+            </a:schemeClr>
+          </a:solidFill>
+          <a:prstDash val="solid"/>
+          <a:miter lim="800000"/>
+        </a:ln>
+        <a:effectLst/>
+      </dsp:spPr>
+      <dsp:style>
+        <a:lnRef idx="2">
+          <a:scrgbClr r="0" g="0" b="0"/>
+        </a:lnRef>
+        <a:fillRef idx="1">
+          <a:scrgbClr r="0" g="0" b="0"/>
+        </a:fillRef>
+        <a:effectRef idx="0">
+          <a:scrgbClr r="0" g="0" b="0"/>
+        </a:effectRef>
+        <a:fontRef idx="minor">
+          <a:schemeClr val="lt1"/>
+        </a:fontRef>
+      </dsp:style>
+      <dsp:txBody>
+        <a:bodyPr spcFirstLastPara="0" vert="horz" wrap="square" lIns="57150" tIns="57150" rIns="57150" bIns="57150" numCol="1" spcCol="1270" anchor="t" anchorCtr="0">
+          <a:noAutofit/>
+        </a:bodyPr>
+        <a:lstStyle/>
+        <a:p>
+          <a:pPr marL="0" lvl="0" indent="0" algn="l" defTabSz="666750">
+            <a:lnSpc>
+              <a:spcPct val="90000"/>
+            </a:lnSpc>
+            <a:spcBef>
+              <a:spcPct val="0"/>
+            </a:spcBef>
+            <a:spcAft>
+              <a:spcPct val="35000"/>
+            </a:spcAft>
+            <a:buNone/>
+          </a:pPr>
+          <a:r>
+            <a:rPr lang="en-GB" sz="1500" kern="1200" dirty="0"/>
+            <a:t>React: New Props</a:t>
+          </a:r>
+        </a:p>
+        <a:p>
+          <a:pPr marL="114300" lvl="1" indent="-114300" algn="l" defTabSz="533400">
+            <a:lnSpc>
+              <a:spcPct val="90000"/>
+            </a:lnSpc>
+            <a:spcBef>
+              <a:spcPct val="0"/>
+            </a:spcBef>
+            <a:spcAft>
+              <a:spcPct val="15000"/>
+            </a:spcAft>
+            <a:buChar char="•"/>
+          </a:pPr>
+          <a:r>
+            <a:rPr lang="en-GB" sz="1200" kern="1200" dirty="0"/>
+            <a:t>render()</a:t>
+          </a:r>
+        </a:p>
+      </dsp:txBody>
+      <dsp:txXfrm>
+        <a:off x="2569542" y="721053"/>
+        <a:ext cx="1677626" cy="795764"/>
       </dsp:txXfrm>
     </dsp:sp>
   </dsp:spTree>
@@ -13884,6 +16344,409 @@
 </dgm:layoutDef>
 </file>
 
+<file path=ppt/diagrams/layout7.xml><?xml version="1.0" encoding="utf-8"?>
+<dgm:layoutDef xmlns:dgm="http://schemas.openxmlformats.org/drawingml/2006/diagram" xmlns:a="http://schemas.openxmlformats.org/drawingml/2006/main" uniqueId="urn:microsoft.com/office/officeart/2005/8/layout/cycle3">
+  <dgm:title val=""/>
+  <dgm:desc val=""/>
+  <dgm:catLst>
+    <dgm:cat type="cycle" pri="5000"/>
+  </dgm:catLst>
+  <dgm:sampData>
+    <dgm:dataModel>
+      <dgm:ptLst>
+        <dgm:pt modelId="0" type="doc"/>
+        <dgm:pt modelId="1">
+          <dgm:prSet phldr="1"/>
+        </dgm:pt>
+        <dgm:pt modelId="2">
+          <dgm:prSet phldr="1"/>
+        </dgm:pt>
+        <dgm:pt modelId="3">
+          <dgm:prSet phldr="1"/>
+        </dgm:pt>
+        <dgm:pt modelId="4">
+          <dgm:prSet phldr="1"/>
+        </dgm:pt>
+        <dgm:pt modelId="5">
+          <dgm:prSet phldr="1"/>
+        </dgm:pt>
+      </dgm:ptLst>
+      <dgm:cxnLst>
+        <dgm:cxn modelId="6" srcId="0" destId="1" srcOrd="0" destOrd="0"/>
+        <dgm:cxn modelId="7" srcId="0" destId="2" srcOrd="1" destOrd="0"/>
+        <dgm:cxn modelId="8" srcId="0" destId="3" srcOrd="2" destOrd="0"/>
+        <dgm:cxn modelId="9" srcId="0" destId="4" srcOrd="3" destOrd="0"/>
+        <dgm:cxn modelId="10" srcId="0" destId="5" srcOrd="4" destOrd="0"/>
+      </dgm:cxnLst>
+      <dgm:bg/>
+      <dgm:whole/>
+    </dgm:dataModel>
+  </dgm:sampData>
+  <dgm:styleData>
+    <dgm:dataModel>
+      <dgm:ptLst>
+        <dgm:pt modelId="0" type="doc"/>
+        <dgm:pt modelId="1"/>
+        <dgm:pt modelId="2"/>
+        <dgm:pt modelId="3"/>
+      </dgm:ptLst>
+      <dgm:cxnLst>
+        <dgm:cxn modelId="4" srcId="0" destId="1" srcOrd="0" destOrd="0"/>
+        <dgm:cxn modelId="5" srcId="0" destId="2" srcOrd="1" destOrd="0"/>
+        <dgm:cxn modelId="6" srcId="0" destId="3" srcOrd="2" destOrd="0"/>
+      </dgm:cxnLst>
+      <dgm:bg/>
+      <dgm:whole/>
+    </dgm:dataModel>
+  </dgm:styleData>
+  <dgm:clrData>
+    <dgm:dataModel>
+      <dgm:ptLst>
+        <dgm:pt modelId="0" type="doc"/>
+        <dgm:pt modelId="1"/>
+        <dgm:pt modelId="2"/>
+        <dgm:pt modelId="3"/>
+        <dgm:pt modelId="4"/>
+        <dgm:pt modelId="5"/>
+        <dgm:pt modelId="6"/>
+      </dgm:ptLst>
+      <dgm:cxnLst>
+        <dgm:cxn modelId="7" srcId="0" destId="1" srcOrd="0" destOrd="0"/>
+        <dgm:cxn modelId="8" srcId="0" destId="2" srcOrd="1" destOrd="0"/>
+        <dgm:cxn modelId="9" srcId="0" destId="3" srcOrd="2" destOrd="0"/>
+        <dgm:cxn modelId="10" srcId="0" destId="4" srcOrd="3" destOrd="0"/>
+        <dgm:cxn modelId="11" srcId="0" destId="5" srcOrd="4" destOrd="0"/>
+        <dgm:cxn modelId="12" srcId="0" destId="6" srcOrd="5" destOrd="0"/>
+      </dgm:cxnLst>
+      <dgm:bg/>
+      <dgm:whole/>
+    </dgm:dataModel>
+  </dgm:clrData>
+  <dgm:layoutNode name="Name0">
+    <dgm:varLst>
+      <dgm:dir/>
+      <dgm:resizeHandles val="exact"/>
+    </dgm:varLst>
+    <dgm:choose name="Name1">
+      <dgm:if name="Name2" axis="ch" ptType="node" func="cnt" op="equ" val="2">
+        <dgm:alg type="composite">
+          <dgm:param type="ar" val="0.9"/>
+        </dgm:alg>
+        <dgm:shape xmlns:r="http://schemas.openxmlformats.org/officeDocument/2006/relationships" r:blip="">
+          <dgm:adjLst/>
+        </dgm:shape>
+        <dgm:presOf/>
+        <dgm:constrLst>
+          <dgm:constr type="primFontSz" for="ch" ptType="node" op="equ" val="65"/>
+          <dgm:constr type="ctrX" for="ch" forName="node1" refType="w" fact="0.5"/>
+          <dgm:constr type="t" for="ch" forName="node1"/>
+          <dgm:constr type="w" for="ch" forName="node1" refType="w" fact="0.8"/>
+          <dgm:constr type="h" for="ch" forName="node1" refType="w" refFor="ch" refForName="node1" fact="0.5"/>
+          <dgm:constr type="ctrX" for="ch" forName="sibTrans" refType="w" fact="0.5"/>
+          <dgm:constr type="t" for="ch" forName="sibTrans"/>
+          <dgm:constr type="w" for="ch" forName="sibTrans" refType="w" fact="0.8"/>
+          <dgm:constr type="h" for="ch" forName="sibTrans" refType="w" refFor="ch" refForName="node1" fact="0.5"/>
+          <dgm:constr type="userA" for="ch" forName="sibTrans" refType="w" fact="1.07"/>
+          <dgm:constr type="ctrX" for="ch" forName="node2" refType="w" fact="0.5"/>
+          <dgm:constr type="b" for="ch" forName="node2" refType="h"/>
+          <dgm:constr type="w" for="ch" forName="node2" refType="w" fact="0.8"/>
+          <dgm:constr type="h" for="ch" forName="node2" refType="w" refFor="ch" refForName="node1" fact="0.5"/>
+          <dgm:constr type="l" for="ch" forName="sp1"/>
+          <dgm:constr type="t" for="ch" forName="sp1" refType="h" fact="0.5"/>
+          <dgm:constr type="w" for="ch" forName="sp1" val="1"/>
+          <dgm:constr type="h" for="ch" forName="sp1" val="1"/>
+          <dgm:constr type="r" for="ch" forName="sp2" refType="w"/>
+          <dgm:constr type="t" for="ch" forName="sp2" refType="h" fact="0.5"/>
+          <dgm:constr type="w" for="ch" forName="sp2" val="1"/>
+          <dgm:constr type="h" for="ch" forName="sp2" val="1"/>
+        </dgm:constrLst>
+        <dgm:ruleLst/>
+      </dgm:if>
+      <dgm:else name="Name3">
+        <dgm:alg type="composite"/>
+        <dgm:shape xmlns:r="http://schemas.openxmlformats.org/officeDocument/2006/relationships" r:blip="">
+          <dgm:adjLst/>
+        </dgm:shape>
+        <dgm:presOf/>
+        <dgm:constrLst>
+          <dgm:constr type="primFontSz" for="ch" ptType="node" op="equ" val="65"/>
+        </dgm:constrLst>
+        <dgm:ruleLst/>
+      </dgm:else>
+    </dgm:choose>
+    <dgm:choose name="Name4">
+      <dgm:if name="Name5" axis="ch" ptType="node" func="cnt" op="equ" val="2">
+        <dgm:layoutNode name="node1">
+          <dgm:varLst>
+            <dgm:bulletEnabled val="1"/>
+          </dgm:varLst>
+          <dgm:alg type="tx"/>
+          <dgm:shape xmlns:r="http://schemas.openxmlformats.org/officeDocument/2006/relationships" type="roundRect" r:blip="">
+            <dgm:adjLst/>
+          </dgm:shape>
+          <dgm:presOf axis="ch desOrSelf" ptType="node node" st="1 1" cnt="1 0"/>
+          <dgm:constrLst>
+            <dgm:constr type="tMarg" refType="primFontSz" fact="0.3"/>
+            <dgm:constr type="bMarg" refType="primFontSz" fact="0.3"/>
+            <dgm:constr type="lMarg" refType="primFontSz" fact="0.3"/>
+            <dgm:constr type="rMarg" refType="primFontSz" fact="0.3"/>
+          </dgm:constrLst>
+          <dgm:ruleLst>
+            <dgm:rule type="primFontSz" val="5" fact="NaN" max="NaN"/>
+          </dgm:ruleLst>
+        </dgm:layoutNode>
+        <dgm:layoutNode name="sibTrans" styleLbl="bgShp">
+          <dgm:choose name="Name6">
+            <dgm:if name="Name7" func="var" arg="dir" op="equ" val="norm">
+              <dgm:alg type="conn">
+                <dgm:param type="connRout" val="longCurve"/>
+                <dgm:param type="begPts" val="midR"/>
+                <dgm:param type="endPts" val="midL"/>
+                <dgm:param type="dstNode" val="node1"/>
+              </dgm:alg>
+              <dgm:shape xmlns:r="http://schemas.openxmlformats.org/officeDocument/2006/relationships" type="conn" r:blip="" zOrderOff="-2">
+                <dgm:adjLst/>
+              </dgm:shape>
+              <dgm:presOf axis="ch" ptType="sibTrans"/>
+              <dgm:constrLst>
+                <dgm:constr type="userA"/>
+                <dgm:constr type="diam" refType="userA" fact="-1"/>
+                <dgm:constr type="wArH" refType="userA" fact="0.05"/>
+                <dgm:constr type="hArH" refType="userA" fact="0.1"/>
+                <dgm:constr type="stemThick" refType="userA" fact="0.06"/>
+                <dgm:constr type="begPad" refType="connDist" fact="-0.2"/>
+                <dgm:constr type="endPad" refType="connDist" fact="0.05"/>
+              </dgm:constrLst>
+            </dgm:if>
+            <dgm:else name="Name8">
+              <dgm:alg type="conn">
+                <dgm:param type="connRout" val="longCurve"/>
+                <dgm:param type="begPts" val="midL"/>
+                <dgm:param type="endPts" val="midR"/>
+                <dgm:param type="dstNode" val="node1"/>
+              </dgm:alg>
+              <dgm:shape xmlns:r="http://schemas.openxmlformats.org/officeDocument/2006/relationships" type="conn" r:blip="" zOrderOff="-2">
+                <dgm:adjLst/>
+              </dgm:shape>
+              <dgm:presOf axis="ch" ptType="sibTrans"/>
+              <dgm:constrLst>
+                <dgm:constr type="userA"/>
+                <dgm:constr type="diam" refType="userA"/>
+                <dgm:constr type="wArH" refType="userA" fact="0.05"/>
+                <dgm:constr type="hArH" refType="userA" fact="0.1"/>
+                <dgm:constr type="stemThick" refType="userA" fact="0.06"/>
+                <dgm:constr type="begPad" refType="connDist" fact="-0.2"/>
+                <dgm:constr type="endPad" refType="connDist" fact="0.05"/>
+              </dgm:constrLst>
+            </dgm:else>
+          </dgm:choose>
+          <dgm:ruleLst/>
+        </dgm:layoutNode>
+        <dgm:layoutNode name="node2">
+          <dgm:varLst>
+            <dgm:bulletEnabled val="1"/>
+          </dgm:varLst>
+          <dgm:alg type="tx"/>
+          <dgm:shape xmlns:r="http://schemas.openxmlformats.org/officeDocument/2006/relationships" type="roundRect" r:blip="">
+            <dgm:adjLst/>
+          </dgm:shape>
+          <dgm:presOf axis="ch desOrSelf" ptType="node node" st="2 1" cnt="1 0"/>
+          <dgm:constrLst>
+            <dgm:constr type="tMarg" refType="primFontSz" fact="0.3"/>
+            <dgm:constr type="bMarg" refType="primFontSz" fact="0.3"/>
+            <dgm:constr type="lMarg" refType="primFontSz" fact="0.3"/>
+            <dgm:constr type="rMarg" refType="primFontSz" fact="0.3"/>
+          </dgm:constrLst>
+          <dgm:ruleLst>
+            <dgm:rule type="primFontSz" val="5" fact="NaN" max="NaN"/>
+          </dgm:ruleLst>
+        </dgm:layoutNode>
+        <dgm:layoutNode name="sp1">
+          <dgm:alg type="sp"/>
+          <dgm:shape xmlns:r="http://schemas.openxmlformats.org/officeDocument/2006/relationships" r:blip="">
+            <dgm:adjLst/>
+          </dgm:shape>
+          <dgm:presOf/>
+          <dgm:constrLst/>
+          <dgm:ruleLst/>
+        </dgm:layoutNode>
+        <dgm:layoutNode name="sp2">
+          <dgm:alg type="sp"/>
+          <dgm:shape xmlns:r="http://schemas.openxmlformats.org/officeDocument/2006/relationships" r:blip="">
+            <dgm:adjLst/>
+          </dgm:shape>
+          <dgm:presOf/>
+          <dgm:constrLst/>
+          <dgm:ruleLst/>
+        </dgm:layoutNode>
+      </dgm:if>
+      <dgm:else name="Name9">
+        <dgm:layoutNode name="cycle">
+          <dgm:choose name="Name10">
+            <dgm:if name="Name11" func="var" arg="dir" op="equ" val="norm">
+              <dgm:alg type="cycle">
+                <dgm:param type="stAng" val="0"/>
+                <dgm:param type="spanAng" val="360"/>
+              </dgm:alg>
+              <dgm:shape xmlns:r="http://schemas.openxmlformats.org/officeDocument/2006/relationships" r:blip="">
+                <dgm:adjLst/>
+              </dgm:shape>
+              <dgm:presOf/>
+              <dgm:constrLst>
+                <dgm:constr type="diam" refType="w"/>
+                <dgm:constr type="w" for="ch" ptType="node" refType="w"/>
+                <dgm:constr type="sibSp" val="15"/>
+                <dgm:constr type="userA" for="ch" ptType="sibTrans" refType="diam" op="equ" fact="-1"/>
+                <dgm:constr type="wArH" for="ch" ptType="sibTrans" refType="diam" op="equ" fact="0.05"/>
+                <dgm:constr type="hArH" for="ch" ptType="sibTrans" refType="diam" op="equ" fact="0.1"/>
+                <dgm:constr type="stemThick" for="ch" ptType="sibTrans" refType="diam" op="equ" fact="0.065"/>
+                <dgm:constr type="primFontSz" for="ch" ptType="node" op="equ"/>
+              </dgm:constrLst>
+            </dgm:if>
+            <dgm:else name="Name12">
+              <dgm:alg type="cycle">
+                <dgm:param type="stAng" val="0"/>
+                <dgm:param type="spanAng" val="-360"/>
+              </dgm:alg>
+              <dgm:shape xmlns:r="http://schemas.openxmlformats.org/officeDocument/2006/relationships" r:blip="">
+                <dgm:adjLst/>
+              </dgm:shape>
+              <dgm:presOf/>
+              <dgm:constrLst>
+                <dgm:constr type="diam" refType="w"/>
+                <dgm:constr type="w" for="ch" ptType="node" refType="w"/>
+                <dgm:constr type="sibSp" val="15"/>
+                <dgm:constr type="userA" for="ch" ptType="sibTrans" refType="diam" op="equ"/>
+                <dgm:constr type="wArH" for="ch" ptType="sibTrans" refType="diam" op="equ" fact="0.05"/>
+                <dgm:constr type="hArH" for="ch" ptType="sibTrans" refType="diam" op="equ" fact="0.1"/>
+                <dgm:constr type="stemThick" for="ch" ptType="sibTrans" refType="diam" op="equ" fact="0.065"/>
+                <dgm:constr type="primFontSz" for="ch" ptType="node" op="equ"/>
+              </dgm:constrLst>
+            </dgm:else>
+          </dgm:choose>
+          <dgm:ruleLst/>
+          <dgm:forEach name="nodesFirstNodeForEach" axis="ch" ptType="node" cnt="1">
+            <dgm:layoutNode name="nodeFirstNode">
+              <dgm:varLst>
+                <dgm:bulletEnabled val="1"/>
+              </dgm:varLst>
+              <dgm:alg type="tx"/>
+              <dgm:shape xmlns:r="http://schemas.openxmlformats.org/officeDocument/2006/relationships" type="roundRect" r:blip="">
+                <dgm:adjLst/>
+              </dgm:shape>
+              <dgm:presOf axis="desOrSelf" ptType="node"/>
+              <dgm:constrLst>
+                <dgm:constr type="h" refType="w" fact="0.5"/>
+                <dgm:constr type="primFontSz" val="65"/>
+                <dgm:constr type="tMarg" refType="primFontSz" fact="0.3"/>
+                <dgm:constr type="bMarg" refType="primFontSz" fact="0.3"/>
+                <dgm:constr type="lMarg" refType="primFontSz" fact="0.3"/>
+                <dgm:constr type="rMarg" refType="primFontSz" fact="0.3"/>
+              </dgm:constrLst>
+              <dgm:ruleLst>
+                <dgm:rule type="primFontSz" val="5" fact="NaN" max="NaN"/>
+              </dgm:ruleLst>
+            </dgm:layoutNode>
+            <dgm:forEach name="sibTransForEach" axis="followSib" ptType="sibTrans" cnt="1">
+              <dgm:layoutNode name="sibTransFirstNode" styleLbl="bgShp">
+                <dgm:choose name="Name13">
+                  <dgm:if name="Name14" func="var" arg="dir" op="equ" val="norm">
+                    <dgm:alg type="conn">
+                      <dgm:param type="connRout" val="longCurve"/>
+                      <dgm:param type="begPts" val="midR"/>
+                      <dgm:param type="endPts" val="midL"/>
+                      <dgm:param type="dstNode" val="nodeFirstNode"/>
+                    </dgm:alg>
+                  </dgm:if>
+                  <dgm:else name="Name15">
+                    <dgm:alg type="conn">
+                      <dgm:param type="connRout" val="longCurve"/>
+                      <dgm:param type="begPts" val="midL"/>
+                      <dgm:param type="endPts" val="midR"/>
+                      <dgm:param type="dstNode" val="nodeFirstNode"/>
+                    </dgm:alg>
+                  </dgm:else>
+                </dgm:choose>
+                <dgm:shape xmlns:r="http://schemas.openxmlformats.org/officeDocument/2006/relationships" type="conn" r:blip="" zOrderOff="-2">
+                  <dgm:adjLst/>
+                </dgm:shape>
+                <dgm:presOf axis="self"/>
+                <dgm:choose name="Name16">
+                  <dgm:if name="Name17" axis="par ch" ptType="doc node" func="cnt" op="equ" val="3">
+                    <dgm:constrLst>
+                      <dgm:constr type="userA"/>
+                      <dgm:constr type="diam" refType="userA" fact="1.01"/>
+                      <dgm:constr type="begPad" refType="connDist" fact="-0.2"/>
+                      <dgm:constr type="endPad" refType="connDist" fact="0.05"/>
+                    </dgm:constrLst>
+                  </dgm:if>
+                  <dgm:if name="Name18" axis="par ch" ptType="doc node" func="cnt" op="equ" val="4">
+                    <dgm:constrLst>
+                      <dgm:constr type="userA"/>
+                      <dgm:constr type="diam" refType="userA" fact="1.26"/>
+                      <dgm:constr type="begPad" refType="connDist" fact="-0.2"/>
+                      <dgm:constr type="endPad" refType="connDist" fact="0.05"/>
+                    </dgm:constrLst>
+                  </dgm:if>
+                  <dgm:if name="Name19" axis="par ch" ptType="doc node" func="cnt" op="equ" val="5">
+                    <dgm:constrLst>
+                      <dgm:constr type="userA"/>
+                      <dgm:constr type="diam" refType="userA" fact="1.04"/>
+                      <dgm:constr type="begPad" refType="connDist" fact="-0.2"/>
+                      <dgm:constr type="endPad" refType="connDist" fact="0.05"/>
+                    </dgm:constrLst>
+                  </dgm:if>
+                  <dgm:if name="Name20" axis="par ch" ptType="doc node" func="cnt" op="equ" val="6">
+                    <dgm:constrLst>
+                      <dgm:constr type="userA"/>
+                      <dgm:constr type="diam" refType="userA" fact="1.1"/>
+                      <dgm:constr type="begPad" refType="connDist" fact="-0.2"/>
+                      <dgm:constr type="endPad" refType="connDist" fact="0.05"/>
+                    </dgm:constrLst>
+                  </dgm:if>
+                  <dgm:else name="Name21">
+                    <dgm:constrLst>
+                      <dgm:constr type="userA"/>
+                      <dgm:constr type="diam" refType="userA" fact="1.04"/>
+                      <dgm:constr type="begPad" refType="connDist" fact="-0.2"/>
+                      <dgm:constr type="endPad" refType="connDist" fact="0.05"/>
+                    </dgm:constrLst>
+                  </dgm:else>
+                </dgm:choose>
+                <dgm:ruleLst/>
+              </dgm:layoutNode>
+            </dgm:forEach>
+          </dgm:forEach>
+          <dgm:forEach name="followingNodesForEach" axis="ch" ptType="node" st="2">
+            <dgm:layoutNode name="nodeFollowingNodes">
+              <dgm:varLst>
+                <dgm:bulletEnabled val="1"/>
+              </dgm:varLst>
+              <dgm:alg type="tx"/>
+              <dgm:shape xmlns:r="http://schemas.openxmlformats.org/officeDocument/2006/relationships" type="roundRect" r:blip="">
+                <dgm:adjLst/>
+              </dgm:shape>
+              <dgm:presOf axis="desOrSelf" ptType="node"/>
+              <dgm:constrLst>
+                <dgm:constr type="h" refType="w" fact="0.5"/>
+                <dgm:constr type="primFontSz" val="65"/>
+                <dgm:constr type="tMarg" refType="primFontSz" fact="0.3"/>
+                <dgm:constr type="bMarg" refType="primFontSz" fact="0.3"/>
+                <dgm:constr type="lMarg" refType="primFontSz" fact="0.3"/>
+                <dgm:constr type="rMarg" refType="primFontSz" fact="0.3"/>
+              </dgm:constrLst>
+              <dgm:ruleLst>
+                <dgm:rule type="primFontSz" val="5" fact="NaN" max="NaN"/>
+              </dgm:ruleLst>
+            </dgm:layoutNode>
+          </dgm:forEach>
+        </dgm:layoutNode>
+      </dgm:else>
+    </dgm:choose>
+  </dgm:layoutNode>
+</dgm:layoutDef>
+</file>
+
 <file path=ppt/diagrams/quickStyle1.xml><?xml version="1.0" encoding="utf-8"?>
 <dgm:styleDef xmlns:dgm="http://schemas.openxmlformats.org/drawingml/2006/diagram" xmlns:a="http://schemas.openxmlformats.org/drawingml/2006/main" uniqueId="urn:microsoft.com/office/officeart/2005/8/quickstyle/simple1">
   <dgm:title val=""/>
@@ -19055,6 +21918,1040 @@
 </file>
 
 <file path=ppt/diagrams/quickStyle6.xml><?xml version="1.0" encoding="utf-8"?>
+<dgm:styleDef xmlns:dgm="http://schemas.openxmlformats.org/drawingml/2006/diagram" xmlns:a="http://schemas.openxmlformats.org/drawingml/2006/main" uniqueId="urn:microsoft.com/office/officeart/2005/8/quickstyle/simple1">
+  <dgm:title val=""/>
+  <dgm:desc val=""/>
+  <dgm:catLst>
+    <dgm:cat type="simple" pri="10100"/>
+  </dgm:catLst>
+  <dgm:scene3d>
+    <a:camera prst="orthographicFront"/>
+    <a:lightRig rig="threePt" dir="t"/>
+  </dgm:scene3d>
+  <dgm:styleLbl name="node0">
+    <dgm:scene3d>
+      <a:camera prst="orthographicFront"/>
+      <a:lightRig rig="threePt" dir="t"/>
+    </dgm:scene3d>
+    <dgm:sp3d/>
+    <dgm:txPr/>
+    <dgm:style>
+      <a:lnRef idx="2">
+        <a:scrgbClr r="0" g="0" b="0"/>
+      </a:lnRef>
+      <a:fillRef idx="1">
+        <a:scrgbClr r="0" g="0" b="0"/>
+      </a:fillRef>
+      <a:effectRef idx="0">
+        <a:scrgbClr r="0" g="0" b="0"/>
+      </a:effectRef>
+      <a:fontRef idx="minor">
+        <a:schemeClr val="lt1"/>
+      </a:fontRef>
+    </dgm:style>
+  </dgm:styleLbl>
+  <dgm:styleLbl name="lnNode1">
+    <dgm:scene3d>
+      <a:camera prst="orthographicFront"/>
+      <a:lightRig rig="threePt" dir="t"/>
+    </dgm:scene3d>
+    <dgm:sp3d/>
+    <dgm:txPr/>
+    <dgm:style>
+      <a:lnRef idx="2">
+        <a:scrgbClr r="0" g="0" b="0"/>
+      </a:lnRef>
+      <a:fillRef idx="1">
+        <a:scrgbClr r="0" g="0" b="0"/>
+      </a:fillRef>
+      <a:effectRef idx="0">
+        <a:scrgbClr r="0" g="0" b="0"/>
+      </a:effectRef>
+      <a:fontRef idx="minor">
+        <a:schemeClr val="lt1"/>
+      </a:fontRef>
+    </dgm:style>
+  </dgm:styleLbl>
+  <dgm:styleLbl name="vennNode1">
+    <dgm:scene3d>
+      <a:camera prst="orthographicFront"/>
+      <a:lightRig rig="threePt" dir="t"/>
+    </dgm:scene3d>
+    <dgm:sp3d/>
+    <dgm:txPr/>
+    <dgm:style>
+      <a:lnRef idx="2">
+        <a:scrgbClr r="0" g="0" b="0"/>
+      </a:lnRef>
+      <a:fillRef idx="1">
+        <a:scrgbClr r="0" g="0" b="0"/>
+      </a:fillRef>
+      <a:effectRef idx="0">
+        <a:scrgbClr r="0" g="0" b="0"/>
+      </a:effectRef>
+      <a:fontRef idx="minor">
+        <a:schemeClr val="tx1"/>
+      </a:fontRef>
+    </dgm:style>
+  </dgm:styleLbl>
+  <dgm:styleLbl name="alignNode1">
+    <dgm:scene3d>
+      <a:camera prst="orthographicFront"/>
+      <a:lightRig rig="threePt" dir="t"/>
+    </dgm:scene3d>
+    <dgm:sp3d/>
+    <dgm:txPr/>
+    <dgm:style>
+      <a:lnRef idx="2">
+        <a:scrgbClr r="0" g="0" b="0"/>
+      </a:lnRef>
+      <a:fillRef idx="1">
+        <a:scrgbClr r="0" g="0" b="0"/>
+      </a:fillRef>
+      <a:effectRef idx="0">
+        <a:scrgbClr r="0" g="0" b="0"/>
+      </a:effectRef>
+      <a:fontRef idx="minor">
+        <a:schemeClr val="lt1"/>
+      </a:fontRef>
+    </dgm:style>
+  </dgm:styleLbl>
+  <dgm:styleLbl name="node1">
+    <dgm:scene3d>
+      <a:camera prst="orthographicFront"/>
+      <a:lightRig rig="threePt" dir="t"/>
+    </dgm:scene3d>
+    <dgm:sp3d/>
+    <dgm:txPr/>
+    <dgm:style>
+      <a:lnRef idx="2">
+        <a:scrgbClr r="0" g="0" b="0"/>
+      </a:lnRef>
+      <a:fillRef idx="1">
+        <a:scrgbClr r="0" g="0" b="0"/>
+      </a:fillRef>
+      <a:effectRef idx="0">
+        <a:scrgbClr r="0" g="0" b="0"/>
+      </a:effectRef>
+      <a:fontRef idx="minor">
+        <a:schemeClr val="lt1"/>
+      </a:fontRef>
+    </dgm:style>
+  </dgm:styleLbl>
+  <dgm:styleLbl name="node2">
+    <dgm:scene3d>
+      <a:camera prst="orthographicFront"/>
+      <a:lightRig rig="threePt" dir="t"/>
+    </dgm:scene3d>
+    <dgm:sp3d/>
+    <dgm:txPr/>
+    <dgm:style>
+      <a:lnRef idx="2">
+        <a:scrgbClr r="0" g="0" b="0"/>
+      </a:lnRef>
+      <a:fillRef idx="1">
+        <a:scrgbClr r="0" g="0" b="0"/>
+      </a:fillRef>
+      <a:effectRef idx="0">
+        <a:scrgbClr r="0" g="0" b="0"/>
+      </a:effectRef>
+      <a:fontRef idx="minor">
+        <a:schemeClr val="lt1"/>
+      </a:fontRef>
+    </dgm:style>
+  </dgm:styleLbl>
+  <dgm:styleLbl name="node3">
+    <dgm:scene3d>
+      <a:camera prst="orthographicFront"/>
+      <a:lightRig rig="threePt" dir="t"/>
+    </dgm:scene3d>
+    <dgm:sp3d/>
+    <dgm:txPr/>
+    <dgm:style>
+      <a:lnRef idx="2">
+        <a:scrgbClr r="0" g="0" b="0"/>
+      </a:lnRef>
+      <a:fillRef idx="1">
+        <a:scrgbClr r="0" g="0" b="0"/>
+      </a:fillRef>
+      <a:effectRef idx="0">
+        <a:scrgbClr r="0" g="0" b="0"/>
+      </a:effectRef>
+      <a:fontRef idx="minor">
+        <a:schemeClr val="lt1"/>
+      </a:fontRef>
+    </dgm:style>
+  </dgm:styleLbl>
+  <dgm:styleLbl name="node4">
+    <dgm:scene3d>
+      <a:camera prst="orthographicFront"/>
+      <a:lightRig rig="threePt" dir="t"/>
+    </dgm:scene3d>
+    <dgm:sp3d/>
+    <dgm:txPr/>
+    <dgm:style>
+      <a:lnRef idx="2">
+        <a:scrgbClr r="0" g="0" b="0"/>
+      </a:lnRef>
+      <a:fillRef idx="1">
+        <a:scrgbClr r="0" g="0" b="0"/>
+      </a:fillRef>
+      <a:effectRef idx="0">
+        <a:scrgbClr r="0" g="0" b="0"/>
+      </a:effectRef>
+      <a:fontRef idx="minor">
+        <a:schemeClr val="lt1"/>
+      </a:fontRef>
+    </dgm:style>
+  </dgm:styleLbl>
+  <dgm:styleLbl name="fgImgPlace1">
+    <dgm:scene3d>
+      <a:camera prst="orthographicFront"/>
+      <a:lightRig rig="threePt" dir="t"/>
+    </dgm:scene3d>
+    <dgm:sp3d/>
+    <dgm:txPr/>
+    <dgm:style>
+      <a:lnRef idx="2">
+        <a:scrgbClr r="0" g="0" b="0"/>
+      </a:lnRef>
+      <a:fillRef idx="1">
+        <a:scrgbClr r="0" g="0" b="0"/>
+      </a:fillRef>
+      <a:effectRef idx="0">
+        <a:scrgbClr r="0" g="0" b="0"/>
+      </a:effectRef>
+      <a:fontRef idx="minor"/>
+    </dgm:style>
+  </dgm:styleLbl>
+  <dgm:styleLbl name="alignImgPlace1">
+    <dgm:scene3d>
+      <a:camera prst="orthographicFront"/>
+      <a:lightRig rig="threePt" dir="t"/>
+    </dgm:scene3d>
+    <dgm:sp3d/>
+    <dgm:txPr/>
+    <dgm:style>
+      <a:lnRef idx="2">
+        <a:scrgbClr r="0" g="0" b="0"/>
+      </a:lnRef>
+      <a:fillRef idx="1">
+        <a:scrgbClr r="0" g="0" b="0"/>
+      </a:fillRef>
+      <a:effectRef idx="0">
+        <a:scrgbClr r="0" g="0" b="0"/>
+      </a:effectRef>
+      <a:fontRef idx="minor"/>
+    </dgm:style>
+  </dgm:styleLbl>
+  <dgm:styleLbl name="bgImgPlace1">
+    <dgm:scene3d>
+      <a:camera prst="orthographicFront"/>
+      <a:lightRig rig="threePt" dir="t"/>
+    </dgm:scene3d>
+    <dgm:sp3d/>
+    <dgm:txPr/>
+    <dgm:style>
+      <a:lnRef idx="2">
+        <a:scrgbClr r="0" g="0" b="0"/>
+      </a:lnRef>
+      <a:fillRef idx="1">
+        <a:scrgbClr r="0" g="0" b="0"/>
+      </a:fillRef>
+      <a:effectRef idx="0">
+        <a:scrgbClr r="0" g="0" b="0"/>
+      </a:effectRef>
+      <a:fontRef idx="minor"/>
+    </dgm:style>
+  </dgm:styleLbl>
+  <dgm:styleLbl name="sibTrans2D1">
+    <dgm:scene3d>
+      <a:camera prst="orthographicFront"/>
+      <a:lightRig rig="threePt" dir="t"/>
+    </dgm:scene3d>
+    <dgm:sp3d/>
+    <dgm:txPr/>
+    <dgm:style>
+      <a:lnRef idx="0">
+        <a:scrgbClr r="0" g="0" b="0"/>
+      </a:lnRef>
+      <a:fillRef idx="1">
+        <a:scrgbClr r="0" g="0" b="0"/>
+      </a:fillRef>
+      <a:effectRef idx="0">
+        <a:scrgbClr r="0" g="0" b="0"/>
+      </a:effectRef>
+      <a:fontRef idx="minor">
+        <a:schemeClr val="lt1"/>
+      </a:fontRef>
+    </dgm:style>
+  </dgm:styleLbl>
+  <dgm:styleLbl name="fgSibTrans2D1">
+    <dgm:scene3d>
+      <a:camera prst="orthographicFront"/>
+      <a:lightRig rig="threePt" dir="t"/>
+    </dgm:scene3d>
+    <dgm:sp3d/>
+    <dgm:txPr/>
+    <dgm:style>
+      <a:lnRef idx="0">
+        <a:scrgbClr r="0" g="0" b="0"/>
+      </a:lnRef>
+      <a:fillRef idx="1">
+        <a:scrgbClr r="0" g="0" b="0"/>
+      </a:fillRef>
+      <a:effectRef idx="0">
+        <a:scrgbClr r="0" g="0" b="0"/>
+      </a:effectRef>
+      <a:fontRef idx="minor">
+        <a:schemeClr val="lt1"/>
+      </a:fontRef>
+    </dgm:style>
+  </dgm:styleLbl>
+  <dgm:styleLbl name="bgSibTrans2D1">
+    <dgm:scene3d>
+      <a:camera prst="orthographicFront"/>
+      <a:lightRig rig="threePt" dir="t"/>
+    </dgm:scene3d>
+    <dgm:sp3d/>
+    <dgm:txPr/>
+    <dgm:style>
+      <a:lnRef idx="0">
+        <a:scrgbClr r="0" g="0" b="0"/>
+      </a:lnRef>
+      <a:fillRef idx="1">
+        <a:scrgbClr r="0" g="0" b="0"/>
+      </a:fillRef>
+      <a:effectRef idx="0">
+        <a:scrgbClr r="0" g="0" b="0"/>
+      </a:effectRef>
+      <a:fontRef idx="minor">
+        <a:schemeClr val="lt1"/>
+      </a:fontRef>
+    </dgm:style>
+  </dgm:styleLbl>
+  <dgm:styleLbl name="sibTrans1D1">
+    <dgm:scene3d>
+      <a:camera prst="orthographicFront"/>
+      <a:lightRig rig="threePt" dir="t"/>
+    </dgm:scene3d>
+    <dgm:sp3d/>
+    <dgm:txPr/>
+    <dgm:style>
+      <a:lnRef idx="1">
+        <a:scrgbClr r="0" g="0" b="0"/>
+      </a:lnRef>
+      <a:fillRef idx="0">
+        <a:scrgbClr r="0" g="0" b="0"/>
+      </a:fillRef>
+      <a:effectRef idx="0">
+        <a:scrgbClr r="0" g="0" b="0"/>
+      </a:effectRef>
+      <a:fontRef idx="minor"/>
+    </dgm:style>
+  </dgm:styleLbl>
+  <dgm:styleLbl name="callout">
+    <dgm:scene3d>
+      <a:camera prst="orthographicFront"/>
+      <a:lightRig rig="threePt" dir="t"/>
+    </dgm:scene3d>
+    <dgm:sp3d/>
+    <dgm:txPr/>
+    <dgm:style>
+      <a:lnRef idx="2">
+        <a:scrgbClr r="0" g="0" b="0"/>
+      </a:lnRef>
+      <a:fillRef idx="1">
+        <a:scrgbClr r="0" g="0" b="0"/>
+      </a:fillRef>
+      <a:effectRef idx="0">
+        <a:scrgbClr r="0" g="0" b="0"/>
+      </a:effectRef>
+      <a:fontRef idx="minor"/>
+    </dgm:style>
+  </dgm:styleLbl>
+  <dgm:styleLbl name="asst0">
+    <dgm:scene3d>
+      <a:camera prst="orthographicFront"/>
+      <a:lightRig rig="threePt" dir="t"/>
+    </dgm:scene3d>
+    <dgm:sp3d/>
+    <dgm:txPr/>
+    <dgm:style>
+      <a:lnRef idx="2">
+        <a:scrgbClr r="0" g="0" b="0"/>
+      </a:lnRef>
+      <a:fillRef idx="1">
+        <a:scrgbClr r="0" g="0" b="0"/>
+      </a:fillRef>
+      <a:effectRef idx="0">
+        <a:scrgbClr r="0" g="0" b="0"/>
+      </a:effectRef>
+      <a:fontRef idx="minor">
+        <a:schemeClr val="lt1"/>
+      </a:fontRef>
+    </dgm:style>
+  </dgm:styleLbl>
+  <dgm:styleLbl name="asst1">
+    <dgm:scene3d>
+      <a:camera prst="orthographicFront"/>
+      <a:lightRig rig="threePt" dir="t"/>
+    </dgm:scene3d>
+    <dgm:sp3d/>
+    <dgm:txPr/>
+    <dgm:style>
+      <a:lnRef idx="2">
+        <a:scrgbClr r="0" g="0" b="0"/>
+      </a:lnRef>
+      <a:fillRef idx="1">
+        <a:scrgbClr r="0" g="0" b="0"/>
+      </a:fillRef>
+      <a:effectRef idx="0">
+        <a:scrgbClr r="0" g="0" b="0"/>
+      </a:effectRef>
+      <a:fontRef idx="minor">
+        <a:schemeClr val="lt1"/>
+      </a:fontRef>
+    </dgm:style>
+  </dgm:styleLbl>
+  <dgm:styleLbl name="asst2">
+    <dgm:scene3d>
+      <a:camera prst="orthographicFront"/>
+      <a:lightRig rig="threePt" dir="t"/>
+    </dgm:scene3d>
+    <dgm:sp3d/>
+    <dgm:txPr/>
+    <dgm:style>
+      <a:lnRef idx="2">
+        <a:scrgbClr r="0" g="0" b="0"/>
+      </a:lnRef>
+      <a:fillRef idx="1">
+        <a:scrgbClr r="0" g="0" b="0"/>
+      </a:fillRef>
+      <a:effectRef idx="0">
+        <a:scrgbClr r="0" g="0" b="0"/>
+      </a:effectRef>
+      <a:fontRef idx="minor">
+        <a:schemeClr val="lt1"/>
+      </a:fontRef>
+    </dgm:style>
+  </dgm:styleLbl>
+  <dgm:styleLbl name="asst3">
+    <dgm:scene3d>
+      <a:camera prst="orthographicFront"/>
+      <a:lightRig rig="threePt" dir="t"/>
+    </dgm:scene3d>
+    <dgm:sp3d/>
+    <dgm:txPr/>
+    <dgm:style>
+      <a:lnRef idx="2">
+        <a:scrgbClr r="0" g="0" b="0"/>
+      </a:lnRef>
+      <a:fillRef idx="1">
+        <a:scrgbClr r="0" g="0" b="0"/>
+      </a:fillRef>
+      <a:effectRef idx="0">
+        <a:scrgbClr r="0" g="0" b="0"/>
+      </a:effectRef>
+      <a:fontRef idx="minor">
+        <a:schemeClr val="lt1"/>
+      </a:fontRef>
+    </dgm:style>
+  </dgm:styleLbl>
+  <dgm:styleLbl name="asst4">
+    <dgm:scene3d>
+      <a:camera prst="orthographicFront"/>
+      <a:lightRig rig="threePt" dir="t"/>
+    </dgm:scene3d>
+    <dgm:sp3d/>
+    <dgm:txPr/>
+    <dgm:style>
+      <a:lnRef idx="2">
+        <a:scrgbClr r="0" g="0" b="0"/>
+      </a:lnRef>
+      <a:fillRef idx="1">
+        <a:scrgbClr r="0" g="0" b="0"/>
+      </a:fillRef>
+      <a:effectRef idx="0">
+        <a:scrgbClr r="0" g="0" b="0"/>
+      </a:effectRef>
+      <a:fontRef idx="minor">
+        <a:schemeClr val="lt1"/>
+      </a:fontRef>
+    </dgm:style>
+  </dgm:styleLbl>
+  <dgm:styleLbl name="parChTrans2D1">
+    <dgm:scene3d>
+      <a:camera prst="orthographicFront"/>
+      <a:lightRig rig="threePt" dir="t"/>
+    </dgm:scene3d>
+    <dgm:sp3d/>
+    <dgm:txPr/>
+    <dgm:style>
+      <a:lnRef idx="2">
+        <a:scrgbClr r="0" g="0" b="0"/>
+      </a:lnRef>
+      <a:fillRef idx="1">
+        <a:scrgbClr r="0" g="0" b="0"/>
+      </a:fillRef>
+      <a:effectRef idx="0">
+        <a:scrgbClr r="0" g="0" b="0"/>
+      </a:effectRef>
+      <a:fontRef idx="minor">
+        <a:schemeClr val="lt1"/>
+      </a:fontRef>
+    </dgm:style>
+  </dgm:styleLbl>
+  <dgm:styleLbl name="parChTrans2D2">
+    <dgm:scene3d>
+      <a:camera prst="orthographicFront"/>
+      <a:lightRig rig="threePt" dir="t"/>
+    </dgm:scene3d>
+    <dgm:sp3d/>
+    <dgm:txPr/>
+    <dgm:style>
+      <a:lnRef idx="2">
+        <a:scrgbClr r="0" g="0" b="0"/>
+      </a:lnRef>
+      <a:fillRef idx="1">
+        <a:scrgbClr r="0" g="0" b="0"/>
+      </a:fillRef>
+      <a:effectRef idx="0">
+        <a:scrgbClr r="0" g="0" b="0"/>
+      </a:effectRef>
+      <a:fontRef idx="minor">
+        <a:schemeClr val="lt1"/>
+      </a:fontRef>
+    </dgm:style>
+  </dgm:styleLbl>
+  <dgm:styleLbl name="parChTrans2D3">
+    <dgm:scene3d>
+      <a:camera prst="orthographicFront"/>
+      <a:lightRig rig="threePt" dir="t"/>
+    </dgm:scene3d>
+    <dgm:sp3d/>
+    <dgm:txPr/>
+    <dgm:style>
+      <a:lnRef idx="2">
+        <a:scrgbClr r="0" g="0" b="0"/>
+      </a:lnRef>
+      <a:fillRef idx="1">
+        <a:scrgbClr r="0" g="0" b="0"/>
+      </a:fillRef>
+      <a:effectRef idx="0">
+        <a:scrgbClr r="0" g="0" b="0"/>
+      </a:effectRef>
+      <a:fontRef idx="minor">
+        <a:schemeClr val="lt1"/>
+      </a:fontRef>
+    </dgm:style>
+  </dgm:styleLbl>
+  <dgm:styleLbl name="parChTrans2D4">
+    <dgm:scene3d>
+      <a:camera prst="orthographicFront"/>
+      <a:lightRig rig="threePt" dir="t"/>
+    </dgm:scene3d>
+    <dgm:sp3d/>
+    <dgm:txPr/>
+    <dgm:style>
+      <a:lnRef idx="2">
+        <a:scrgbClr r="0" g="0" b="0"/>
+      </a:lnRef>
+      <a:fillRef idx="1">
+        <a:scrgbClr r="0" g="0" b="0"/>
+      </a:fillRef>
+      <a:effectRef idx="0">
+        <a:scrgbClr r="0" g="0" b="0"/>
+      </a:effectRef>
+      <a:fontRef idx="minor">
+        <a:schemeClr val="lt1"/>
+      </a:fontRef>
+    </dgm:style>
+  </dgm:styleLbl>
+  <dgm:styleLbl name="parChTrans1D1">
+    <dgm:scene3d>
+      <a:camera prst="orthographicFront"/>
+      <a:lightRig rig="threePt" dir="t"/>
+    </dgm:scene3d>
+    <dgm:sp3d/>
+    <dgm:txPr/>
+    <dgm:style>
+      <a:lnRef idx="2">
+        <a:scrgbClr r="0" g="0" b="0"/>
+      </a:lnRef>
+      <a:fillRef idx="0">
+        <a:scrgbClr r="0" g="0" b="0"/>
+      </a:fillRef>
+      <a:effectRef idx="0">
+        <a:scrgbClr r="0" g="0" b="0"/>
+      </a:effectRef>
+      <a:fontRef idx="minor"/>
+    </dgm:style>
+  </dgm:styleLbl>
+  <dgm:styleLbl name="parChTrans1D2">
+    <dgm:scene3d>
+      <a:camera prst="orthographicFront"/>
+      <a:lightRig rig="threePt" dir="t"/>
+    </dgm:scene3d>
+    <dgm:sp3d/>
+    <dgm:txPr/>
+    <dgm:style>
+      <a:lnRef idx="2">
+        <a:scrgbClr r="0" g="0" b="0"/>
+      </a:lnRef>
+      <a:fillRef idx="0">
+        <a:scrgbClr r="0" g="0" b="0"/>
+      </a:fillRef>
+      <a:effectRef idx="0">
+        <a:scrgbClr r="0" g="0" b="0"/>
+      </a:effectRef>
+      <a:fontRef idx="minor"/>
+    </dgm:style>
+  </dgm:styleLbl>
+  <dgm:styleLbl name="parChTrans1D3">
+    <dgm:scene3d>
+      <a:camera prst="orthographicFront"/>
+      <a:lightRig rig="threePt" dir="t"/>
+    </dgm:scene3d>
+    <dgm:sp3d/>
+    <dgm:txPr/>
+    <dgm:style>
+      <a:lnRef idx="2">
+        <a:scrgbClr r="0" g="0" b="0"/>
+      </a:lnRef>
+      <a:fillRef idx="0">
+        <a:scrgbClr r="0" g="0" b="0"/>
+      </a:fillRef>
+      <a:effectRef idx="0">
+        <a:scrgbClr r="0" g="0" b="0"/>
+      </a:effectRef>
+      <a:fontRef idx="minor"/>
+    </dgm:style>
+  </dgm:styleLbl>
+  <dgm:styleLbl name="parChTrans1D4">
+    <dgm:scene3d>
+      <a:camera prst="orthographicFront"/>
+      <a:lightRig rig="threePt" dir="t"/>
+    </dgm:scene3d>
+    <dgm:sp3d/>
+    <dgm:txPr/>
+    <dgm:style>
+      <a:lnRef idx="2">
+        <a:scrgbClr r="0" g="0" b="0"/>
+      </a:lnRef>
+      <a:fillRef idx="0">
+        <a:scrgbClr r="0" g="0" b="0"/>
+      </a:fillRef>
+      <a:effectRef idx="0">
+        <a:scrgbClr r="0" g="0" b="0"/>
+      </a:effectRef>
+      <a:fontRef idx="minor"/>
+    </dgm:style>
+  </dgm:styleLbl>
+  <dgm:styleLbl name="fgAcc1">
+    <dgm:scene3d>
+      <a:camera prst="orthographicFront"/>
+      <a:lightRig rig="threePt" dir="t"/>
+    </dgm:scene3d>
+    <dgm:sp3d/>
+    <dgm:txPr/>
+    <dgm:style>
+      <a:lnRef idx="2">
+        <a:scrgbClr r="0" g="0" b="0"/>
+      </a:lnRef>
+      <a:fillRef idx="1">
+        <a:scrgbClr r="0" g="0" b="0"/>
+      </a:fillRef>
+      <a:effectRef idx="0">
+        <a:scrgbClr r="0" g="0" b="0"/>
+      </a:effectRef>
+      <a:fontRef idx="minor"/>
+    </dgm:style>
+  </dgm:styleLbl>
+  <dgm:styleLbl name="conFgAcc1">
+    <dgm:scene3d>
+      <a:camera prst="orthographicFront"/>
+      <a:lightRig rig="threePt" dir="t"/>
+    </dgm:scene3d>
+    <dgm:sp3d/>
+    <dgm:txPr/>
+    <dgm:style>
+      <a:lnRef idx="2">
+        <a:scrgbClr r="0" g="0" b="0"/>
+      </a:lnRef>
+      <a:fillRef idx="1">
+        <a:scrgbClr r="0" g="0" b="0"/>
+      </a:fillRef>
+      <a:effectRef idx="0">
+        <a:scrgbClr r="0" g="0" b="0"/>
+      </a:effectRef>
+      <a:fontRef idx="minor"/>
+    </dgm:style>
+  </dgm:styleLbl>
+  <dgm:styleLbl name="alignAcc1">
+    <dgm:scene3d>
+      <a:camera prst="orthographicFront"/>
+      <a:lightRig rig="threePt" dir="t"/>
+    </dgm:scene3d>
+    <dgm:sp3d/>
+    <dgm:txPr/>
+    <dgm:style>
+      <a:lnRef idx="2">
+        <a:scrgbClr r="0" g="0" b="0"/>
+      </a:lnRef>
+      <a:fillRef idx="1">
+        <a:scrgbClr r="0" g="0" b="0"/>
+      </a:fillRef>
+      <a:effectRef idx="0">
+        <a:scrgbClr r="0" g="0" b="0"/>
+      </a:effectRef>
+      <a:fontRef idx="minor"/>
+    </dgm:style>
+  </dgm:styleLbl>
+  <dgm:styleLbl name="trAlignAcc1">
+    <dgm:scene3d>
+      <a:camera prst="orthographicFront"/>
+      <a:lightRig rig="threePt" dir="t"/>
+    </dgm:scene3d>
+    <dgm:sp3d/>
+    <dgm:txPr/>
+    <dgm:style>
+      <a:lnRef idx="1">
+        <a:scrgbClr r="0" g="0" b="0"/>
+      </a:lnRef>
+      <a:fillRef idx="1">
+        <a:scrgbClr r="0" g="0" b="0"/>
+      </a:fillRef>
+      <a:effectRef idx="0">
+        <a:scrgbClr r="0" g="0" b="0"/>
+      </a:effectRef>
+      <a:fontRef idx="minor"/>
+    </dgm:style>
+  </dgm:styleLbl>
+  <dgm:styleLbl name="bgAcc1">
+    <dgm:scene3d>
+      <a:camera prst="orthographicFront"/>
+      <a:lightRig rig="threePt" dir="t"/>
+    </dgm:scene3d>
+    <dgm:sp3d/>
+    <dgm:txPr/>
+    <dgm:style>
+      <a:lnRef idx="2">
+        <a:scrgbClr r="0" g="0" b="0"/>
+      </a:lnRef>
+      <a:fillRef idx="1">
+        <a:scrgbClr r="0" g="0" b="0"/>
+      </a:fillRef>
+      <a:effectRef idx="0">
+        <a:scrgbClr r="0" g="0" b="0"/>
+      </a:effectRef>
+      <a:fontRef idx="minor"/>
+    </dgm:style>
+  </dgm:styleLbl>
+  <dgm:styleLbl name="solidFgAcc1">
+    <dgm:scene3d>
+      <a:camera prst="orthographicFront"/>
+      <a:lightRig rig="threePt" dir="t"/>
+    </dgm:scene3d>
+    <dgm:sp3d/>
+    <dgm:txPr/>
+    <dgm:style>
+      <a:lnRef idx="2">
+        <a:scrgbClr r="0" g="0" b="0"/>
+      </a:lnRef>
+      <a:fillRef idx="1">
+        <a:scrgbClr r="0" g="0" b="0"/>
+      </a:fillRef>
+      <a:effectRef idx="0">
+        <a:scrgbClr r="0" g="0" b="0"/>
+      </a:effectRef>
+      <a:fontRef idx="minor"/>
+    </dgm:style>
+  </dgm:styleLbl>
+  <dgm:styleLbl name="solidAlignAcc1">
+    <dgm:scene3d>
+      <a:camera prst="orthographicFront"/>
+      <a:lightRig rig="threePt" dir="t"/>
+    </dgm:scene3d>
+    <dgm:sp3d/>
+    <dgm:txPr/>
+    <dgm:style>
+      <a:lnRef idx="2">
+        <a:scrgbClr r="0" g="0" b="0"/>
+      </a:lnRef>
+      <a:fillRef idx="1">
+        <a:scrgbClr r="0" g="0" b="0"/>
+      </a:fillRef>
+      <a:effectRef idx="0">
+        <a:scrgbClr r="0" g="0" b="0"/>
+      </a:effectRef>
+      <a:fontRef idx="minor"/>
+    </dgm:style>
+  </dgm:styleLbl>
+  <dgm:styleLbl name="solidBgAcc1">
+    <dgm:scene3d>
+      <a:camera prst="orthographicFront"/>
+      <a:lightRig rig="threePt" dir="t"/>
+    </dgm:scene3d>
+    <dgm:sp3d/>
+    <dgm:txPr/>
+    <dgm:style>
+      <a:lnRef idx="2">
+        <a:scrgbClr r="0" g="0" b="0"/>
+      </a:lnRef>
+      <a:fillRef idx="1">
+        <a:scrgbClr r="0" g="0" b="0"/>
+      </a:fillRef>
+      <a:effectRef idx="0">
+        <a:scrgbClr r="0" g="0" b="0"/>
+      </a:effectRef>
+      <a:fontRef idx="minor"/>
+    </dgm:style>
+  </dgm:styleLbl>
+  <dgm:styleLbl name="fgAccFollowNode1">
+    <dgm:scene3d>
+      <a:camera prst="orthographicFront"/>
+      <a:lightRig rig="threePt" dir="t"/>
+    </dgm:scene3d>
+    <dgm:sp3d/>
+    <dgm:txPr/>
+    <dgm:style>
+      <a:lnRef idx="2">
+        <a:scrgbClr r="0" g="0" b="0"/>
+      </a:lnRef>
+      <a:fillRef idx="1">
+        <a:scrgbClr r="0" g="0" b="0"/>
+      </a:fillRef>
+      <a:effectRef idx="0">
+        <a:scrgbClr r="0" g="0" b="0"/>
+      </a:effectRef>
+      <a:fontRef idx="minor"/>
+    </dgm:style>
+  </dgm:styleLbl>
+  <dgm:styleLbl name="alignAccFollowNode1">
+    <dgm:scene3d>
+      <a:camera prst="orthographicFront"/>
+      <a:lightRig rig="threePt" dir="t"/>
+    </dgm:scene3d>
+    <dgm:sp3d/>
+    <dgm:txPr/>
+    <dgm:style>
+      <a:lnRef idx="2">
+        <a:scrgbClr r="0" g="0" b="0"/>
+      </a:lnRef>
+      <a:fillRef idx="1">
+        <a:scrgbClr r="0" g="0" b="0"/>
+      </a:fillRef>
+      <a:effectRef idx="0">
+        <a:scrgbClr r="0" g="0" b="0"/>
+      </a:effectRef>
+      <a:fontRef idx="minor"/>
+    </dgm:style>
+  </dgm:styleLbl>
+  <dgm:styleLbl name="bgAccFollowNode1">
+    <dgm:scene3d>
+      <a:camera prst="orthographicFront"/>
+      <a:lightRig rig="threePt" dir="t"/>
+    </dgm:scene3d>
+    <dgm:sp3d/>
+    <dgm:txPr/>
+    <dgm:style>
+      <a:lnRef idx="2">
+        <a:scrgbClr r="0" g="0" b="0"/>
+      </a:lnRef>
+      <a:fillRef idx="1">
+        <a:scrgbClr r="0" g="0" b="0"/>
+      </a:fillRef>
+      <a:effectRef idx="0">
+        <a:scrgbClr r="0" g="0" b="0"/>
+      </a:effectRef>
+      <a:fontRef idx="minor"/>
+    </dgm:style>
+  </dgm:styleLbl>
+  <dgm:styleLbl name="fgAcc0">
+    <dgm:scene3d>
+      <a:camera prst="orthographicFront"/>
+      <a:lightRig rig="threePt" dir="t"/>
+    </dgm:scene3d>
+    <dgm:sp3d/>
+    <dgm:txPr/>
+    <dgm:style>
+      <a:lnRef idx="2">
+        <a:scrgbClr r="0" g="0" b="0"/>
+      </a:lnRef>
+      <a:fillRef idx="1">
+        <a:scrgbClr r="0" g="0" b="0"/>
+      </a:fillRef>
+      <a:effectRef idx="0">
+        <a:scrgbClr r="0" g="0" b="0"/>
+      </a:effectRef>
+      <a:fontRef idx="minor"/>
+    </dgm:style>
+  </dgm:styleLbl>
+  <dgm:styleLbl name="fgAcc2">
+    <dgm:scene3d>
+      <a:camera prst="orthographicFront"/>
+      <a:lightRig rig="threePt" dir="t"/>
+    </dgm:scene3d>
+    <dgm:sp3d/>
+    <dgm:txPr/>
+    <dgm:style>
+      <a:lnRef idx="2">
+        <a:scrgbClr r="0" g="0" b="0"/>
+      </a:lnRef>
+      <a:fillRef idx="1">
+        <a:scrgbClr r="0" g="0" b="0"/>
+      </a:fillRef>
+      <a:effectRef idx="0">
+        <a:scrgbClr r="0" g="0" b="0"/>
+      </a:effectRef>
+      <a:fontRef idx="minor"/>
+    </dgm:style>
+  </dgm:styleLbl>
+  <dgm:styleLbl name="fgAcc3">
+    <dgm:scene3d>
+      <a:camera prst="orthographicFront"/>
+      <a:lightRig rig="threePt" dir="t"/>
+    </dgm:scene3d>
+    <dgm:sp3d/>
+    <dgm:txPr/>
+    <dgm:style>
+      <a:lnRef idx="2">
+        <a:scrgbClr r="0" g="0" b="0"/>
+      </a:lnRef>
+      <a:fillRef idx="1">
+        <a:scrgbClr r="0" g="0" b="0"/>
+      </a:fillRef>
+      <a:effectRef idx="0">
+        <a:scrgbClr r="0" g="0" b="0"/>
+      </a:effectRef>
+      <a:fontRef idx="minor"/>
+    </dgm:style>
+  </dgm:styleLbl>
+  <dgm:styleLbl name="fgAcc4">
+    <dgm:scene3d>
+      <a:camera prst="orthographicFront"/>
+      <a:lightRig rig="threePt" dir="t"/>
+    </dgm:scene3d>
+    <dgm:sp3d/>
+    <dgm:txPr/>
+    <dgm:style>
+      <a:lnRef idx="2">
+        <a:scrgbClr r="0" g="0" b="0"/>
+      </a:lnRef>
+      <a:fillRef idx="1">
+        <a:scrgbClr r="0" g="0" b="0"/>
+      </a:fillRef>
+      <a:effectRef idx="0">
+        <a:scrgbClr r="0" g="0" b="0"/>
+      </a:effectRef>
+      <a:fontRef idx="minor"/>
+    </dgm:style>
+  </dgm:styleLbl>
+  <dgm:styleLbl name="bgShp">
+    <dgm:scene3d>
+      <a:camera prst="orthographicFront"/>
+      <a:lightRig rig="threePt" dir="t"/>
+    </dgm:scene3d>
+    <dgm:sp3d/>
+    <dgm:txPr/>
+    <dgm:style>
+      <a:lnRef idx="0">
+        <a:scrgbClr r="0" g="0" b="0"/>
+      </a:lnRef>
+      <a:fillRef idx="1">
+        <a:scrgbClr r="0" g="0" b="0"/>
+      </a:fillRef>
+      <a:effectRef idx="0">
+        <a:scrgbClr r="0" g="0" b="0"/>
+      </a:effectRef>
+      <a:fontRef idx="minor"/>
+    </dgm:style>
+  </dgm:styleLbl>
+  <dgm:styleLbl name="dkBgShp">
+    <dgm:scene3d>
+      <a:camera prst="orthographicFront"/>
+      <a:lightRig rig="threePt" dir="t"/>
+    </dgm:scene3d>
+    <dgm:sp3d/>
+    <dgm:txPr/>
+    <dgm:style>
+      <a:lnRef idx="0">
+        <a:scrgbClr r="0" g="0" b="0"/>
+      </a:lnRef>
+      <a:fillRef idx="1">
+        <a:scrgbClr r="0" g="0" b="0"/>
+      </a:fillRef>
+      <a:effectRef idx="0">
+        <a:scrgbClr r="0" g="0" b="0"/>
+      </a:effectRef>
+      <a:fontRef idx="minor"/>
+    </dgm:style>
+  </dgm:styleLbl>
+  <dgm:styleLbl name="trBgShp">
+    <dgm:scene3d>
+      <a:camera prst="orthographicFront"/>
+      <a:lightRig rig="threePt" dir="t"/>
+    </dgm:scene3d>
+    <dgm:sp3d/>
+    <dgm:txPr/>
+    <dgm:style>
+      <a:lnRef idx="0">
+        <a:scrgbClr r="0" g="0" b="0"/>
+      </a:lnRef>
+      <a:fillRef idx="1">
+        <a:scrgbClr r="0" g="0" b="0"/>
+      </a:fillRef>
+      <a:effectRef idx="0">
+        <a:scrgbClr r="0" g="0" b="0"/>
+      </a:effectRef>
+      <a:fontRef idx="minor"/>
+    </dgm:style>
+  </dgm:styleLbl>
+  <dgm:styleLbl name="fgShp">
+    <dgm:scene3d>
+      <a:camera prst="orthographicFront"/>
+      <a:lightRig rig="threePt" dir="t"/>
+    </dgm:scene3d>
+    <dgm:sp3d/>
+    <dgm:txPr/>
+    <dgm:style>
+      <a:lnRef idx="2">
+        <a:scrgbClr r="0" g="0" b="0"/>
+      </a:lnRef>
+      <a:fillRef idx="1">
+        <a:scrgbClr r="0" g="0" b="0"/>
+      </a:fillRef>
+      <a:effectRef idx="0">
+        <a:scrgbClr r="0" g="0" b="0"/>
+      </a:effectRef>
+      <a:fontRef idx="minor"/>
+    </dgm:style>
+  </dgm:styleLbl>
+  <dgm:styleLbl name="revTx">
+    <dgm:scene3d>
+      <a:camera prst="orthographicFront"/>
+      <a:lightRig rig="threePt" dir="t"/>
+    </dgm:scene3d>
+    <dgm:sp3d/>
+    <dgm:txPr/>
+    <dgm:style>
+      <a:lnRef idx="0">
+        <a:scrgbClr r="0" g="0" b="0"/>
+      </a:lnRef>
+      <a:fillRef idx="0">
+        <a:scrgbClr r="0" g="0" b="0"/>
+      </a:fillRef>
+      <a:effectRef idx="0">
+        <a:scrgbClr r="0" g="0" b="0"/>
+      </a:effectRef>
+      <a:fontRef idx="minor"/>
+    </dgm:style>
+  </dgm:styleLbl>
+</dgm:styleDef>
+</file>
+
+<file path=ppt/diagrams/quickStyle7.xml><?xml version="1.0" encoding="utf-8"?>
 <dgm:styleDef xmlns:dgm="http://schemas.openxmlformats.org/drawingml/2006/diagram" xmlns:a="http://schemas.openxmlformats.org/drawingml/2006/main" uniqueId="urn:microsoft.com/office/officeart/2005/8/quickstyle/simple1">
   <dgm:title val=""/>
   <dgm:desc val=""/>
@@ -23546,6 +27443,92 @@
 </p:sld>
 </file>
 
+<file path=ppt/slides/slide4.xml><?xml version="1.0" encoding="utf-8"?>
+<p:sld xmlns:a="http://schemas.openxmlformats.org/drawingml/2006/main" xmlns:r="http://schemas.openxmlformats.org/officeDocument/2006/relationships" xmlns:p="http://schemas.openxmlformats.org/presentationml/2006/main">
+  <p:cSld>
+    <p:spTree>
+      <p:nvGrpSpPr>
+        <p:cNvPr id="1" name=""/>
+        <p:cNvGrpSpPr/>
+        <p:nvPr/>
+      </p:nvGrpSpPr>
+      <p:grpSpPr>
+        <a:xfrm>
+          <a:off x="0" y="0"/>
+          <a:ext cx="0" cy="0"/>
+          <a:chOff x="0" y="0"/>
+          <a:chExt cx="0" cy="0"/>
+        </a:xfrm>
+      </p:grpSpPr>
+      <p:sp>
+        <p:nvSpPr>
+          <p:cNvPr id="2" name="Title 1">
+            <a:extLst>
+              <a:ext uri="{FF2B5EF4-FFF2-40B4-BE49-F238E27FC236}">
+                <a16:creationId xmlns:a16="http://schemas.microsoft.com/office/drawing/2014/main" id="{68A71FDF-CDCC-470C-B7AF-1664E6F0A9CE}"/>
+              </a:ext>
+            </a:extLst>
+          </p:cNvPr>
+          <p:cNvSpPr>
+            <a:spLocks noGrp="1"/>
+          </p:cNvSpPr>
+          <p:nvPr>
+            <p:ph type="title"/>
+          </p:nvPr>
+        </p:nvSpPr>
+        <p:spPr/>
+        <p:txBody>
+          <a:bodyPr/>
+          <a:lstStyle/>
+          <a:p>
+            <a:endParaRPr lang="en-GB"/>
+          </a:p>
+        </p:txBody>
+      </p:sp>
+      <p:graphicFrame>
+        <p:nvGraphicFramePr>
+          <p:cNvPr id="4" name="Content Placeholder 3">
+            <a:extLst>
+              <a:ext uri="{FF2B5EF4-FFF2-40B4-BE49-F238E27FC236}">
+                <a16:creationId xmlns:a16="http://schemas.microsoft.com/office/drawing/2014/main" id="{4881110A-D9D2-4446-B9AE-8D80EB83B7DE}"/>
+              </a:ext>
+            </a:extLst>
+          </p:cNvPr>
+          <p:cNvGraphicFramePr>
+            <a:graphicFrameLocks noGrp="1"/>
+          </p:cNvGraphicFramePr>
+          <p:nvPr>
+            <p:ph idx="1"/>
+            <p:extLst>
+              <p:ext uri="{D42A27DB-BD31-4B8C-83A1-F6EECF244321}">
+                <p14:modId xmlns:p14="http://schemas.microsoft.com/office/powerpoint/2010/main" val="4223239291"/>
+              </p:ext>
+            </p:extLst>
+          </p:nvPr>
+        </p:nvGraphicFramePr>
+        <p:xfrm>
+          <a:off x="838200" y="165847"/>
+          <a:ext cx="10515600" cy="6472518"/>
+        </p:xfrm>
+        <a:graphic>
+          <a:graphicData uri="http://schemas.openxmlformats.org/drawingml/2006/diagram">
+            <dgm:relIds xmlns:dgm="http://schemas.openxmlformats.org/drawingml/2006/diagram" xmlns:r="http://schemas.openxmlformats.org/officeDocument/2006/relationships" r:dm="rId2" r:lo="rId3" r:qs="rId4" r:cs="rId5"/>
+          </a:graphicData>
+        </a:graphic>
+      </p:graphicFrame>
+    </p:spTree>
+    <p:extLst>
+      <p:ext uri="{BB962C8B-B14F-4D97-AF65-F5344CB8AC3E}">
+        <p14:creationId xmlns:p14="http://schemas.microsoft.com/office/powerpoint/2010/main" val="3015612856"/>
+      </p:ext>
+    </p:extLst>
+  </p:cSld>
+  <p:clrMapOvr>
+    <a:masterClrMapping/>
+  </p:clrMapOvr>
+</p:sld>
+</file>
+
 <file path=ppt/theme/theme1.xml><?xml version="1.0" encoding="utf-8"?>
 <a:theme xmlns:a="http://schemas.openxmlformats.org/drawingml/2006/main" name="Office Theme">
   <a:themeElements>
